--- a/midtermtalk/talk3.pptx
+++ b/midtermtalk/talk3.pptx
@@ -5,7 +5,7 @@
     <p:sldMasterId id="2147483654" r:id="rId1"/>
   </p:sldMasterIdLst>
   <p:notesMasterIdLst>
-    <p:notesMasterId r:id="rId23"/>
+    <p:notesMasterId r:id="rId26"/>
   </p:notesMasterIdLst>
   <p:sldIdLst>
     <p:sldId id="256" r:id="rId2"/>
@@ -28,7 +28,10 @@
     <p:sldId id="288" r:id="rId19"/>
     <p:sldId id="289" r:id="rId20"/>
     <p:sldId id="290" r:id="rId21"/>
-    <p:sldId id="282" r:id="rId22"/>
+    <p:sldId id="291" r:id="rId22"/>
+    <p:sldId id="292" r:id="rId23"/>
+    <p:sldId id="282" r:id="rId24"/>
+    <p:sldId id="293" r:id="rId25"/>
   </p:sldIdLst>
   <p:sldSz cx="9144000" cy="6858000" type="screen4x3"/>
   <p:notesSz cx="6858000" cy="9144000"/>
@@ -769,11 +772,7 @@
           <a:p>
             <a:r>
               <a:rPr lang="en-US" dirty="0" smtClean="0"/>
-              <a:t>Via </a:t>
-            </a:r>
-            <a:r>
-              <a:rPr lang="en-US" dirty="0" smtClean="0"/>
-              <a:t>enumeration</a:t>
+              <a:t>Via enumeration</a:t>
             </a:r>
             <a:endParaRPr lang="nl-NL" dirty="0"/>
           </a:p>
@@ -797,7 +796,7 @@
             <a:fld id="{AC6A92EF-677D-47DA-92B4-68BA969D3BAB}" type="slidenum">
               <a:rPr lang="nl-NL" smtClean="0"/>
               <a:pPr/>
-              <a:t>20</a:t>
+              <a:t>22</a:t>
             </a:fld>
             <a:endParaRPr lang="nl-NL"/>
           </a:p>
@@ -807,6 +806,99 @@
     <p:extLst>
       <p:ext uri="{BB962C8B-B14F-4D97-AF65-F5344CB8AC3E}">
         <p14:creationId xmlns:p14="http://schemas.microsoft.com/office/powerpoint/2010/main" val="3328423360"/>
+      </p:ext>
+    </p:extLst>
+  </p:cSld>
+  <p:clrMapOvr>
+    <a:masterClrMapping/>
+  </p:clrMapOvr>
+</p:notes>
+</file>
+
+<file path=ppt/notesSlides/notesSlide11.xml><?xml version="1.0" encoding="utf-8"?>
+<p:notes xmlns:a="http://schemas.openxmlformats.org/drawingml/2006/main" xmlns:r="http://schemas.openxmlformats.org/officeDocument/2006/relationships" xmlns:p="http://schemas.openxmlformats.org/presentationml/2006/main">
+  <p:cSld>
+    <p:spTree>
+      <p:nvGrpSpPr>
+        <p:cNvPr id="1" name=""/>
+        <p:cNvGrpSpPr/>
+        <p:nvPr/>
+      </p:nvGrpSpPr>
+      <p:grpSpPr>
+        <a:xfrm>
+          <a:off x="0" y="0"/>
+          <a:ext cx="0" cy="0"/>
+          <a:chOff x="0" y="0"/>
+          <a:chExt cx="0" cy="0"/>
+        </a:xfrm>
+      </p:grpSpPr>
+      <p:sp>
+        <p:nvSpPr>
+          <p:cNvPr id="2" name="Slide Image Placeholder 1"/>
+          <p:cNvSpPr>
+            <a:spLocks noGrp="1" noRot="1" noChangeAspect="1"/>
+          </p:cNvSpPr>
+          <p:nvPr>
+            <p:ph type="sldImg"/>
+          </p:nvPr>
+        </p:nvSpPr>
+        <p:spPr/>
+      </p:sp>
+      <p:sp>
+        <p:nvSpPr>
+          <p:cNvPr id="3" name="Notes Placeholder 2"/>
+          <p:cNvSpPr>
+            <a:spLocks noGrp="1"/>
+          </p:cNvSpPr>
+          <p:nvPr>
+            <p:ph type="body" idx="1"/>
+          </p:nvPr>
+        </p:nvSpPr>
+        <p:spPr/>
+        <p:txBody>
+          <a:bodyPr/>
+          <a:lstStyle/>
+          <a:p>
+            <a:r>
+              <a:rPr lang="en-US" dirty="0" err="1" smtClean="0"/>
+              <a:t>Hopfully</a:t>
+            </a:r>
+            <a:r>
+              <a:rPr lang="en-US" smtClean="0"/>
+              <a:t> small k</a:t>
+            </a:r>
+            <a:endParaRPr lang="nl-NL"/>
+          </a:p>
+        </p:txBody>
+      </p:sp>
+      <p:sp>
+        <p:nvSpPr>
+          <p:cNvPr id="4" name="Slide Number Placeholder 3"/>
+          <p:cNvSpPr>
+            <a:spLocks noGrp="1"/>
+          </p:cNvSpPr>
+          <p:nvPr>
+            <p:ph type="sldNum" sz="quarter" idx="10"/>
+          </p:nvPr>
+        </p:nvSpPr>
+        <p:spPr/>
+        <p:txBody>
+          <a:bodyPr/>
+          <a:lstStyle/>
+          <a:p>
+            <a:fld id="{AC6A92EF-677D-47DA-92B4-68BA969D3BAB}" type="slidenum">
+              <a:rPr lang="nl-NL" smtClean="0"/>
+              <a:pPr/>
+              <a:t>23</a:t>
+            </a:fld>
+            <a:endParaRPr lang="nl-NL"/>
+          </a:p>
+        </p:txBody>
+      </p:sp>
+    </p:spTree>
+    <p:extLst>
+      <p:ext uri="{BB962C8B-B14F-4D97-AF65-F5344CB8AC3E}">
+        <p14:creationId xmlns:p14="http://schemas.microsoft.com/office/powerpoint/2010/main" val="2243898790"/>
       </p:ext>
     </p:extLst>
   </p:cSld>
@@ -1161,13 +1253,8 @@
           <a:p>
             <a:r>
               <a:rPr lang="en-US" baseline="0" dirty="0" smtClean="0"/>
-              <a:t>We </a:t>
+              <a:t>We will use this a lot, so properties …  </a:t>
             </a:r>
-            <a:r>
-              <a:rPr lang="en-US" baseline="0" dirty="0" smtClean="0"/>
-              <a:t>will use this a lot, so properties …  </a:t>
-            </a:r>
-            <a:endParaRPr lang="en-US" baseline="0" dirty="0" smtClean="0"/>
           </a:p>
           <a:p>
             <a:endParaRPr lang="en-US" baseline="0" dirty="0"/>
@@ -4042,16 +4129,7 @@
                 </a:solidFill>
                 <a:latin typeface="TUE Meta" pitchFamily="34" charset="0"/>
               </a:rPr>
-              <a:t>Sander </a:t>
-            </a:r>
-            <a:r>
-              <a:rPr lang="en-US" sz="1800" b="1" dirty="0" smtClean="0">
-                <a:solidFill>
-                  <a:schemeClr val="bg1"/>
-                </a:solidFill>
-                <a:latin typeface="TUE Meta" pitchFamily="34" charset="0"/>
-              </a:rPr>
-              <a:t>Beekhuis</a:t>
+              <a:t>Sander Beekhuis</a:t>
             </a:r>
             <a:endParaRPr lang="en-US" sz="1800" b="1" dirty="0">
               <a:solidFill>
@@ -5088,21 +5166,8 @@
           <a:p>
             <a:r>
               <a:rPr lang="en-US" dirty="0" smtClean="0"/>
-              <a:t>We assume that every graph </a:t>
+              <a:t>We assume that every graph has 4 vertices incident to the outer face. (poles)</a:t>
             </a:r>
-            <a:r>
-              <a:rPr lang="en-US" dirty="0" smtClean="0"/>
-              <a:t>has </a:t>
-            </a:r>
-            <a:r>
-              <a:rPr lang="en-US" dirty="0" smtClean="0"/>
-              <a:t>4 vertices incident to the outer face</a:t>
-            </a:r>
-            <a:r>
-              <a:rPr lang="en-US" dirty="0" smtClean="0"/>
-              <a:t>. (poles)</a:t>
-            </a:r>
-            <a:endParaRPr lang="en-US" dirty="0" smtClean="0"/>
           </a:p>
           <a:p>
             <a:pPr lvl="1"/>
@@ -5122,13 +5187,8 @@
             <a:pPr lvl="1"/>
             <a:r>
               <a:rPr lang="en-US" dirty="0" smtClean="0"/>
-              <a:t>Often we don’t really care about adjacencies between these outer </a:t>
+              <a:t>Often we don’t really care about adjacencies between these outer rectangles</a:t>
             </a:r>
-            <a:r>
-              <a:rPr lang="en-US" dirty="0" smtClean="0"/>
-              <a:t>rectangles</a:t>
-            </a:r>
-            <a:endParaRPr lang="en-US" dirty="0" smtClean="0"/>
           </a:p>
           <a:p>
             <a:pPr lvl="1"/>
@@ -26827,7 +26887,7 @@
               <a:buNone/>
             </a:pPr>
             <a:r>
-              <a:rPr lang="en-US">
+              <a:rPr lang="en-US" dirty="0">
                 <a:solidFill>
                   <a:schemeClr val="accent1"/>
                 </a:solidFill>
@@ -26835,14 +26895,14 @@
               <a:t>Rectangular Layout</a:t>
             </a:r>
             <a:r>
-              <a:rPr lang="en-US"/>
+              <a:rPr lang="en-US" dirty="0"/>
               <a:t/>
             </a:r>
             <a:br>
-              <a:rPr lang="en-US"/>
+              <a:rPr lang="en-US" dirty="0"/>
             </a:br>
             <a:r>
-              <a:rPr lang="en-US"/>
+              <a:rPr lang="en-US" dirty="0"/>
               <a:t>partition of a rectangle into finitely many interior-disjoint rectangles.</a:t>
             </a:r>
           </a:p>
@@ -31460,6 +31520,2378 @@
           <a:chExt cx="0" cy="0"/>
         </a:xfrm>
       </p:grpSpPr>
+      <p:sp>
+        <p:nvSpPr>
+          <p:cNvPr id="2" name="Title 1"/>
+          <p:cNvSpPr>
+            <a:spLocks noGrp="1"/>
+          </p:cNvSpPr>
+          <p:nvPr>
+            <p:ph type="title"/>
+          </p:nvPr>
+        </p:nvSpPr>
+        <p:spPr/>
+        <p:txBody>
+          <a:bodyPr/>
+          <a:lstStyle/>
+          <a:p>
+            <a:r>
+              <a:rPr lang="en-US" dirty="0" smtClean="0"/>
+              <a:t>Acyclic flows</a:t>
+            </a:r>
+            <a:endParaRPr lang="nl-NL" dirty="0"/>
+          </a:p>
+        </p:txBody>
+      </p:sp>
+      <p:sp>
+        <p:nvSpPr>
+          <p:cNvPr id="50" name="Oval 39"/>
+          <p:cNvSpPr>
+            <a:spLocks noChangeArrowheads="1"/>
+          </p:cNvSpPr>
+          <p:nvPr/>
+        </p:nvSpPr>
+        <p:spPr bwMode="auto">
+          <a:xfrm>
+            <a:off x="3867189" y="3182024"/>
+            <a:ext cx="190500" cy="190500"/>
+          </a:xfrm>
+          <a:prstGeom prst="ellipse">
+            <a:avLst/>
+          </a:prstGeom>
+          <a:solidFill>
+            <a:srgbClr val="B2B2B2"/>
+          </a:solidFill>
+          <a:ln w="28575" algn="ctr">
+            <a:solidFill>
+              <a:schemeClr val="tx1"/>
+            </a:solidFill>
+            <a:round/>
+            <a:headEnd/>
+            <a:tailEnd/>
+          </a:ln>
+          <a:effectLst/>
+        </p:spPr>
+        <p:txBody>
+          <a:bodyPr lIns="90000" tIns="46800" rIns="90000" bIns="46800" anchor="ctr">
+            <a:spAutoFit/>
+          </a:bodyPr>
+          <a:lstStyle/>
+          <a:p>
+            <a:endParaRPr lang="en-US"/>
+          </a:p>
+        </p:txBody>
+      </p:sp>
+      <p:sp>
+        <p:nvSpPr>
+          <p:cNvPr id="51" name="Oval 39"/>
+          <p:cNvSpPr>
+            <a:spLocks noChangeArrowheads="1"/>
+          </p:cNvSpPr>
+          <p:nvPr/>
+        </p:nvSpPr>
+        <p:spPr bwMode="auto">
+          <a:xfrm>
+            <a:off x="4813818" y="3028355"/>
+            <a:ext cx="190500" cy="190500"/>
+          </a:xfrm>
+          <a:prstGeom prst="ellipse">
+            <a:avLst/>
+          </a:prstGeom>
+          <a:solidFill>
+            <a:srgbClr val="B2B2B2"/>
+          </a:solidFill>
+          <a:ln w="28575" algn="ctr">
+            <a:solidFill>
+              <a:schemeClr val="tx1"/>
+            </a:solidFill>
+            <a:round/>
+            <a:headEnd/>
+            <a:tailEnd/>
+          </a:ln>
+          <a:effectLst/>
+        </p:spPr>
+        <p:txBody>
+          <a:bodyPr lIns="90000" tIns="46800" rIns="90000" bIns="46800" anchor="ctr">
+            <a:spAutoFit/>
+          </a:bodyPr>
+          <a:lstStyle/>
+          <a:p>
+            <a:endParaRPr lang="en-US"/>
+          </a:p>
+        </p:txBody>
+      </p:sp>
+      <p:cxnSp>
+        <p:nvCxnSpPr>
+          <p:cNvPr id="52" name="Straight Arrow Connector 51"/>
+          <p:cNvCxnSpPr>
+            <a:stCxn id="50" idx="6"/>
+            <a:endCxn id="51" idx="2"/>
+          </p:cNvCxnSpPr>
+          <p:nvPr/>
+        </p:nvCxnSpPr>
+        <p:spPr bwMode="auto">
+          <a:xfrm flipV="1">
+            <a:off x="4057689" y="3123605"/>
+            <a:ext cx="756129" cy="153669"/>
+          </a:xfrm>
+          <a:prstGeom prst="straightConnector1">
+            <a:avLst/>
+          </a:prstGeom>
+          <a:noFill/>
+          <a:ln w="28575" cap="flat" cmpd="sng" algn="ctr">
+            <a:solidFill>
+              <a:schemeClr val="accent2"/>
+            </a:solidFill>
+            <a:prstDash val="solid"/>
+            <a:round/>
+            <a:headEnd type="none" w="lg" len="lg"/>
+            <a:tailEnd type="triangle" w="lg" len="lg"/>
+          </a:ln>
+          <a:effectLst/>
+        </p:spPr>
+      </p:cxnSp>
+      <p:sp>
+        <p:nvSpPr>
+          <p:cNvPr id="64" name="Oval 39"/>
+          <p:cNvSpPr>
+            <a:spLocks noChangeArrowheads="1"/>
+          </p:cNvSpPr>
+          <p:nvPr/>
+        </p:nvSpPr>
+        <p:spPr bwMode="auto">
+          <a:xfrm>
+            <a:off x="4770329" y="2441558"/>
+            <a:ext cx="190500" cy="190500"/>
+          </a:xfrm>
+          <a:prstGeom prst="ellipse">
+            <a:avLst/>
+          </a:prstGeom>
+          <a:solidFill>
+            <a:srgbClr val="B2B2B2"/>
+          </a:solidFill>
+          <a:ln w="28575" algn="ctr">
+            <a:solidFill>
+              <a:schemeClr val="tx1"/>
+            </a:solidFill>
+            <a:round/>
+            <a:headEnd/>
+            <a:tailEnd/>
+          </a:ln>
+          <a:effectLst/>
+        </p:spPr>
+        <p:txBody>
+          <a:bodyPr lIns="90000" tIns="46800" rIns="90000" bIns="46800" anchor="ctr">
+            <a:spAutoFit/>
+          </a:bodyPr>
+          <a:lstStyle/>
+          <a:p>
+            <a:endParaRPr lang="en-US"/>
+          </a:p>
+        </p:txBody>
+      </p:sp>
+      <p:cxnSp>
+        <p:nvCxnSpPr>
+          <p:cNvPr id="65" name="Straight Arrow Connector 64"/>
+          <p:cNvCxnSpPr>
+            <a:stCxn id="51" idx="0"/>
+            <a:endCxn id="64" idx="4"/>
+          </p:cNvCxnSpPr>
+          <p:nvPr/>
+        </p:nvCxnSpPr>
+        <p:spPr bwMode="auto">
+          <a:xfrm flipH="1" flipV="1">
+            <a:off x="4865579" y="2632058"/>
+            <a:ext cx="43489" cy="396297"/>
+          </a:xfrm>
+          <a:prstGeom prst="straightConnector1">
+            <a:avLst/>
+          </a:prstGeom>
+          <a:noFill/>
+          <a:ln w="28575" cap="flat" cmpd="sng" algn="ctr">
+            <a:solidFill>
+              <a:schemeClr val="accent2"/>
+            </a:solidFill>
+            <a:prstDash val="solid"/>
+            <a:round/>
+            <a:headEnd type="none" w="lg" len="lg"/>
+            <a:tailEnd type="triangle" w="lg" len="lg"/>
+          </a:ln>
+          <a:effectLst/>
+        </p:spPr>
+      </p:cxnSp>
+      <p:cxnSp>
+        <p:nvCxnSpPr>
+          <p:cNvPr id="68" name="Straight Arrow Connector 67"/>
+          <p:cNvCxnSpPr>
+            <a:stCxn id="64" idx="2"/>
+            <a:endCxn id="78" idx="6"/>
+          </p:cNvCxnSpPr>
+          <p:nvPr/>
+        </p:nvCxnSpPr>
+        <p:spPr bwMode="auto">
+          <a:xfrm flipH="1">
+            <a:off x="3990167" y="2536808"/>
+            <a:ext cx="780162" cy="120632"/>
+          </a:xfrm>
+          <a:prstGeom prst="straightConnector1">
+            <a:avLst/>
+          </a:prstGeom>
+          <a:noFill/>
+          <a:ln w="28575" cap="flat" cmpd="sng" algn="ctr">
+            <a:solidFill>
+              <a:schemeClr val="accent2"/>
+            </a:solidFill>
+            <a:prstDash val="solid"/>
+            <a:round/>
+            <a:headEnd type="none" w="lg" len="lg"/>
+            <a:tailEnd type="triangle" w="lg" len="lg"/>
+          </a:ln>
+          <a:effectLst/>
+        </p:spPr>
+      </p:cxnSp>
+      <p:sp>
+        <p:nvSpPr>
+          <p:cNvPr id="78" name="Oval 39"/>
+          <p:cNvSpPr>
+            <a:spLocks noChangeArrowheads="1"/>
+          </p:cNvSpPr>
+          <p:nvPr/>
+        </p:nvSpPr>
+        <p:spPr bwMode="auto">
+          <a:xfrm>
+            <a:off x="3799667" y="2562190"/>
+            <a:ext cx="190500" cy="190500"/>
+          </a:xfrm>
+          <a:prstGeom prst="ellipse">
+            <a:avLst/>
+          </a:prstGeom>
+          <a:solidFill>
+            <a:srgbClr val="B2B2B2"/>
+          </a:solidFill>
+          <a:ln w="28575" algn="ctr">
+            <a:solidFill>
+              <a:schemeClr val="tx1"/>
+            </a:solidFill>
+            <a:round/>
+            <a:headEnd/>
+            <a:tailEnd/>
+          </a:ln>
+          <a:effectLst/>
+        </p:spPr>
+        <p:txBody>
+          <a:bodyPr lIns="90000" tIns="46800" rIns="90000" bIns="46800" anchor="ctr">
+            <a:spAutoFit/>
+          </a:bodyPr>
+          <a:lstStyle/>
+          <a:p>
+            <a:endParaRPr lang="en-US"/>
+          </a:p>
+        </p:txBody>
+      </p:sp>
+      <p:cxnSp>
+        <p:nvCxnSpPr>
+          <p:cNvPr id="80" name="Straight Arrow Connector 79"/>
+          <p:cNvCxnSpPr>
+            <a:stCxn id="78" idx="4"/>
+            <a:endCxn id="50" idx="0"/>
+          </p:cNvCxnSpPr>
+          <p:nvPr/>
+        </p:nvCxnSpPr>
+        <p:spPr bwMode="auto">
+          <a:xfrm>
+            <a:off x="3894917" y="2752690"/>
+            <a:ext cx="67522" cy="429334"/>
+          </a:xfrm>
+          <a:prstGeom prst="straightConnector1">
+            <a:avLst/>
+          </a:prstGeom>
+          <a:noFill/>
+          <a:ln w="28575" cap="flat" cmpd="sng" algn="ctr">
+            <a:solidFill>
+              <a:schemeClr val="accent2"/>
+            </a:solidFill>
+            <a:prstDash val="solid"/>
+            <a:round/>
+            <a:headEnd type="none" w="lg" len="lg"/>
+            <a:tailEnd type="triangle" w="lg" len="lg"/>
+          </a:ln>
+          <a:effectLst/>
+        </p:spPr>
+      </p:cxnSp>
+      <p:grpSp>
+        <p:nvGrpSpPr>
+          <p:cNvPr id="107" name="Group 106"/>
+          <p:cNvGrpSpPr/>
+          <p:nvPr/>
+        </p:nvGrpSpPr>
+        <p:grpSpPr>
+          <a:xfrm>
+            <a:off x="2366755" y="1718810"/>
+            <a:ext cx="3930661" cy="2675993"/>
+            <a:chOff x="3521659" y="1237010"/>
+            <a:chExt cx="3930661" cy="2675993"/>
+          </a:xfrm>
+        </p:grpSpPr>
+        <p:sp>
+          <p:nvSpPr>
+            <p:cNvPr id="4" name="Freeform 19"/>
+            <p:cNvSpPr>
+              <a:spLocks/>
+            </p:cNvSpPr>
+            <p:nvPr/>
+          </p:nvSpPr>
+          <p:spPr bwMode="auto">
+            <a:xfrm>
+              <a:off x="4762340" y="3261639"/>
+              <a:ext cx="559396" cy="263746"/>
+            </a:xfrm>
+            <a:custGeom>
+              <a:avLst/>
+              <a:gdLst/>
+              <a:ahLst/>
+              <a:cxnLst>
+                <a:cxn ang="0">
+                  <a:pos x="0" y="0"/>
+                </a:cxn>
+                <a:cxn ang="0">
+                  <a:pos x="374" y="172"/>
+                </a:cxn>
+              </a:cxnLst>
+              <a:rect l="0" t="0" r="r" b="b"/>
+              <a:pathLst>
+                <a:path w="374" h="172">
+                  <a:moveTo>
+                    <a:pt x="0" y="0"/>
+                  </a:moveTo>
+                  <a:cubicBezTo>
+                    <a:pt x="62" y="29"/>
+                    <a:pt x="296" y="136"/>
+                    <a:pt x="374" y="172"/>
+                  </a:cubicBezTo>
+                </a:path>
+              </a:pathLst>
+            </a:custGeom>
+            <a:noFill/>
+            <a:ln w="28575" cap="flat" cmpd="sng">
+              <a:solidFill>
+                <a:schemeClr val="accent1"/>
+              </a:solidFill>
+              <a:prstDash val="solid"/>
+              <a:round/>
+              <a:headEnd type="none" w="med" len="med"/>
+              <a:tailEnd type="triangle" w="lg" len="lg"/>
+            </a:ln>
+            <a:effectLst/>
+          </p:spPr>
+          <p:txBody>
+            <a:bodyPr wrap="square" lIns="90000" tIns="46800" rIns="90000" bIns="46800" anchor="ctr">
+              <a:spAutoFit/>
+            </a:bodyPr>
+            <a:lstStyle/>
+            <a:p>
+              <a:endParaRPr lang="en-US"/>
+            </a:p>
+          </p:txBody>
+        </p:sp>
+        <p:sp>
+          <p:nvSpPr>
+            <p:cNvPr id="5" name="Freeform 22"/>
+            <p:cNvSpPr>
+              <a:spLocks/>
+            </p:cNvSpPr>
+            <p:nvPr/>
+          </p:nvSpPr>
+          <p:spPr bwMode="auto">
+            <a:xfrm>
+              <a:off x="4740474" y="1548669"/>
+              <a:ext cx="938212" cy="34925"/>
+            </a:xfrm>
+            <a:custGeom>
+              <a:avLst/>
+              <a:gdLst/>
+              <a:ahLst/>
+              <a:cxnLst>
+                <a:cxn ang="0">
+                  <a:pos x="0" y="22"/>
+                </a:cxn>
+                <a:cxn ang="0">
+                  <a:pos x="591" y="0"/>
+                </a:cxn>
+              </a:cxnLst>
+              <a:rect l="0" t="0" r="r" b="b"/>
+              <a:pathLst>
+                <a:path w="591" h="22">
+                  <a:moveTo>
+                    <a:pt x="0" y="22"/>
+                  </a:moveTo>
+                  <a:cubicBezTo>
+                    <a:pt x="0" y="22"/>
+                    <a:pt x="295" y="11"/>
+                    <a:pt x="591" y="0"/>
+                  </a:cubicBezTo>
+                </a:path>
+              </a:pathLst>
+            </a:custGeom>
+            <a:noFill/>
+            <a:ln w="28575" cap="flat" cmpd="sng">
+              <a:solidFill>
+                <a:schemeClr val="accent1"/>
+              </a:solidFill>
+              <a:prstDash val="solid"/>
+              <a:round/>
+              <a:headEnd type="triangle" w="lg" len="lg"/>
+              <a:tailEnd type="none" w="lg" len="lg"/>
+            </a:ln>
+            <a:effectLst/>
+          </p:spPr>
+          <p:txBody>
+            <a:bodyPr wrap="none" lIns="90000" tIns="46800" rIns="90000" bIns="46800" anchor="ctr">
+              <a:spAutoFit/>
+            </a:bodyPr>
+            <a:lstStyle/>
+            <a:p>
+              <a:endParaRPr lang="en-US"/>
+            </a:p>
+          </p:txBody>
+        </p:sp>
+        <p:sp>
+          <p:nvSpPr>
+            <p:cNvPr id="6" name="Freeform 24"/>
+            <p:cNvSpPr>
+              <a:spLocks/>
+            </p:cNvSpPr>
+            <p:nvPr/>
+          </p:nvSpPr>
+          <p:spPr bwMode="auto">
+            <a:xfrm>
+              <a:off x="5433535" y="3322185"/>
+              <a:ext cx="617537" cy="225425"/>
+            </a:xfrm>
+            <a:custGeom>
+              <a:avLst/>
+              <a:gdLst/>
+              <a:ahLst/>
+              <a:cxnLst>
+                <a:cxn ang="0">
+                  <a:pos x="0" y="142"/>
+                </a:cxn>
+                <a:cxn ang="0">
+                  <a:pos x="389" y="0"/>
+                </a:cxn>
+              </a:cxnLst>
+              <a:rect l="0" t="0" r="r" b="b"/>
+              <a:pathLst>
+                <a:path w="389" h="142">
+                  <a:moveTo>
+                    <a:pt x="0" y="142"/>
+                  </a:moveTo>
+                  <a:cubicBezTo>
+                    <a:pt x="0" y="142"/>
+                    <a:pt x="194" y="71"/>
+                    <a:pt x="389" y="0"/>
+                  </a:cubicBezTo>
+                </a:path>
+              </a:pathLst>
+            </a:custGeom>
+            <a:noFill/>
+            <a:ln w="28575" cap="flat" cmpd="sng">
+              <a:solidFill>
+                <a:schemeClr val="accent1"/>
+              </a:solidFill>
+              <a:prstDash val="solid"/>
+              <a:round/>
+              <a:headEnd type="none" w="med" len="med"/>
+              <a:tailEnd type="triangle" w="lg" len="lg"/>
+            </a:ln>
+            <a:effectLst/>
+          </p:spPr>
+          <p:txBody>
+            <a:bodyPr wrap="none" lIns="90000" tIns="46800" rIns="90000" bIns="46800" anchor="ctr">
+              <a:spAutoFit/>
+            </a:bodyPr>
+            <a:lstStyle/>
+            <a:p>
+              <a:endParaRPr lang="en-US"/>
+            </a:p>
+          </p:txBody>
+        </p:sp>
+        <p:sp>
+          <p:nvSpPr>
+            <p:cNvPr id="7" name="Freeform 25"/>
+            <p:cNvSpPr>
+              <a:spLocks/>
+            </p:cNvSpPr>
+            <p:nvPr/>
+          </p:nvSpPr>
+          <p:spPr bwMode="auto">
+            <a:xfrm>
+              <a:off x="6205060" y="2941185"/>
+              <a:ext cx="534987" cy="296862"/>
+            </a:xfrm>
+            <a:custGeom>
+              <a:avLst/>
+              <a:gdLst/>
+              <a:ahLst/>
+              <a:cxnLst>
+                <a:cxn ang="0">
+                  <a:pos x="0" y="187"/>
+                </a:cxn>
+                <a:cxn ang="0">
+                  <a:pos x="337" y="0"/>
+                </a:cxn>
+              </a:cxnLst>
+              <a:rect l="0" t="0" r="r" b="b"/>
+              <a:pathLst>
+                <a:path w="337" h="187">
+                  <a:moveTo>
+                    <a:pt x="0" y="187"/>
+                  </a:moveTo>
+                  <a:cubicBezTo>
+                    <a:pt x="0" y="187"/>
+                    <a:pt x="168" y="93"/>
+                    <a:pt x="337" y="0"/>
+                  </a:cubicBezTo>
+                </a:path>
+              </a:pathLst>
+            </a:custGeom>
+            <a:noFill/>
+            <a:ln w="28575" cap="flat" cmpd="sng">
+              <a:solidFill>
+                <a:schemeClr val="accent1"/>
+              </a:solidFill>
+              <a:prstDash val="solid"/>
+              <a:round/>
+              <a:headEnd type="none" w="med" len="med"/>
+              <a:tailEnd type="triangle" w="lg" len="lg"/>
+            </a:ln>
+            <a:effectLst/>
+          </p:spPr>
+          <p:txBody>
+            <a:bodyPr wrap="none" lIns="90000" tIns="46800" rIns="90000" bIns="46800" anchor="ctr">
+              <a:spAutoFit/>
+            </a:bodyPr>
+            <a:lstStyle/>
+            <a:p>
+              <a:endParaRPr lang="en-US"/>
+            </a:p>
+          </p:txBody>
+        </p:sp>
+        <p:sp>
+          <p:nvSpPr>
+            <p:cNvPr id="8" name="Freeform 26"/>
+            <p:cNvSpPr>
+              <a:spLocks/>
+            </p:cNvSpPr>
+            <p:nvPr/>
+          </p:nvSpPr>
+          <p:spPr bwMode="auto">
+            <a:xfrm>
+              <a:off x="5924204" y="1538790"/>
+              <a:ext cx="986253" cy="1220410"/>
+            </a:xfrm>
+            <a:custGeom>
+              <a:avLst/>
+              <a:gdLst/>
+              <a:ahLst/>
+              <a:cxnLst>
+                <a:cxn ang="0">
+                  <a:pos x="0" y="0"/>
+                </a:cxn>
+                <a:cxn ang="0">
+                  <a:pos x="531" y="112"/>
+                </a:cxn>
+                <a:cxn ang="0">
+                  <a:pos x="718" y="606"/>
+                </a:cxn>
+              </a:cxnLst>
+              <a:rect l="0" t="0" r="r" b="b"/>
+              <a:pathLst>
+                <a:path w="718" h="606">
+                  <a:moveTo>
+                    <a:pt x="0" y="0"/>
+                  </a:moveTo>
+                  <a:cubicBezTo>
+                    <a:pt x="89" y="19"/>
+                    <a:pt x="411" y="11"/>
+                    <a:pt x="531" y="112"/>
+                  </a:cubicBezTo>
+                  <a:cubicBezTo>
+                    <a:pt x="651" y="213"/>
+                    <a:pt x="679" y="503"/>
+                    <a:pt x="718" y="606"/>
+                  </a:cubicBezTo>
+                </a:path>
+              </a:pathLst>
+            </a:custGeom>
+            <a:noFill/>
+            <a:ln w="28575" cap="flat" cmpd="sng">
+              <a:solidFill>
+                <a:schemeClr val="accent1"/>
+              </a:solidFill>
+              <a:prstDash val="solid"/>
+              <a:round/>
+              <a:headEnd type="triangle" w="lg" len="lg"/>
+              <a:tailEnd type="none" w="lg" len="lg"/>
+            </a:ln>
+            <a:effectLst/>
+          </p:spPr>
+          <p:txBody>
+            <a:bodyPr wrap="square" lIns="90000" tIns="46800" rIns="90000" bIns="46800" anchor="ctr">
+              <a:spAutoFit/>
+            </a:bodyPr>
+            <a:lstStyle/>
+            <a:p>
+              <a:endParaRPr lang="en-US"/>
+            </a:p>
+          </p:txBody>
+        </p:sp>
+        <p:sp>
+          <p:nvSpPr>
+            <p:cNvPr id="9" name="Freeform 30"/>
+            <p:cNvSpPr>
+              <a:spLocks/>
+            </p:cNvSpPr>
+            <p:nvPr/>
+          </p:nvSpPr>
+          <p:spPr bwMode="auto">
+            <a:xfrm>
+              <a:off x="3941930" y="1603587"/>
+              <a:ext cx="601315" cy="790298"/>
+            </a:xfrm>
+            <a:custGeom>
+              <a:avLst/>
+              <a:gdLst/>
+              <a:ahLst/>
+              <a:cxnLst>
+                <a:cxn ang="0">
+                  <a:pos x="0" y="441"/>
+                </a:cxn>
+                <a:cxn ang="0">
+                  <a:pos x="90" y="127"/>
+                </a:cxn>
+                <a:cxn ang="0">
+                  <a:pos x="344" y="0"/>
+                </a:cxn>
+              </a:cxnLst>
+              <a:rect l="0" t="0" r="r" b="b"/>
+              <a:pathLst>
+                <a:path w="344" h="441">
+                  <a:moveTo>
+                    <a:pt x="0" y="441"/>
+                  </a:moveTo>
+                  <a:cubicBezTo>
+                    <a:pt x="15" y="389"/>
+                    <a:pt x="33" y="200"/>
+                    <a:pt x="90" y="127"/>
+                  </a:cubicBezTo>
+                  <a:cubicBezTo>
+                    <a:pt x="147" y="54"/>
+                    <a:pt x="291" y="26"/>
+                    <a:pt x="344" y="0"/>
+                  </a:cubicBezTo>
+                </a:path>
+              </a:pathLst>
+            </a:custGeom>
+            <a:noFill/>
+            <a:ln w="28575" cap="flat" cmpd="sng">
+              <a:solidFill>
+                <a:schemeClr val="accent1"/>
+              </a:solidFill>
+              <a:prstDash val="solid"/>
+              <a:round/>
+              <a:headEnd type="triangle" w="lg" len="lg"/>
+              <a:tailEnd type="none" w="lg" len="lg"/>
+            </a:ln>
+            <a:effectLst/>
+          </p:spPr>
+          <p:txBody>
+            <a:bodyPr wrap="square" lIns="90000" tIns="46800" rIns="90000" bIns="46800" anchor="ctr">
+              <a:spAutoFit/>
+            </a:bodyPr>
+            <a:lstStyle/>
+            <a:p>
+              <a:endParaRPr lang="en-US"/>
+            </a:p>
+          </p:txBody>
+        </p:sp>
+        <p:sp>
+          <p:nvSpPr>
+            <p:cNvPr id="10" name="Freeform 32"/>
+            <p:cNvSpPr>
+              <a:spLocks/>
+            </p:cNvSpPr>
+            <p:nvPr/>
+          </p:nvSpPr>
+          <p:spPr bwMode="auto">
+            <a:xfrm>
+              <a:off x="3925410" y="2525260"/>
+              <a:ext cx="593725" cy="736600"/>
+            </a:xfrm>
+            <a:custGeom>
+              <a:avLst/>
+              <a:gdLst/>
+              <a:ahLst/>
+              <a:cxnLst>
+                <a:cxn ang="0">
+                  <a:pos x="0" y="0"/>
+                </a:cxn>
+                <a:cxn ang="0">
+                  <a:pos x="90" y="389"/>
+                </a:cxn>
+                <a:cxn ang="0">
+                  <a:pos x="374" y="449"/>
+                </a:cxn>
+              </a:cxnLst>
+              <a:rect l="0" t="0" r="r" b="b"/>
+              <a:pathLst>
+                <a:path w="374" h="464">
+                  <a:moveTo>
+                    <a:pt x="0" y="0"/>
+                  </a:moveTo>
+                  <a:cubicBezTo>
+                    <a:pt x="15" y="65"/>
+                    <a:pt x="28" y="314"/>
+                    <a:pt x="90" y="389"/>
+                  </a:cubicBezTo>
+                  <a:cubicBezTo>
+                    <a:pt x="152" y="464"/>
+                    <a:pt x="315" y="437"/>
+                    <a:pt x="374" y="449"/>
+                  </a:cubicBezTo>
+                </a:path>
+              </a:pathLst>
+            </a:custGeom>
+            <a:noFill/>
+            <a:ln w="28575" cap="flat" cmpd="sng">
+              <a:solidFill>
+                <a:schemeClr val="accent1"/>
+              </a:solidFill>
+              <a:prstDash val="solid"/>
+              <a:round/>
+              <a:headEnd type="none" w="med" len="med"/>
+              <a:tailEnd type="triangle" w="lg" len="lg"/>
+            </a:ln>
+            <a:effectLst/>
+          </p:spPr>
+          <p:txBody>
+            <a:bodyPr wrap="none" lIns="90000" tIns="46800" rIns="90000" bIns="46800" anchor="ctr">
+              <a:spAutoFit/>
+            </a:bodyPr>
+            <a:lstStyle/>
+            <a:p>
+              <a:endParaRPr lang="en-US"/>
+            </a:p>
+          </p:txBody>
+        </p:sp>
+        <p:sp>
+          <p:nvSpPr>
+            <p:cNvPr id="11" name="Oval 38"/>
+            <p:cNvSpPr>
+              <a:spLocks noChangeArrowheads="1"/>
+            </p:cNvSpPr>
+            <p:nvPr/>
+          </p:nvSpPr>
+          <p:spPr bwMode="auto">
+            <a:xfrm>
+              <a:off x="4577872" y="3104697"/>
+              <a:ext cx="190500" cy="190500"/>
+            </a:xfrm>
+            <a:prstGeom prst="ellipse">
+              <a:avLst/>
+            </a:prstGeom>
+            <a:solidFill>
+              <a:srgbClr val="B2B2B2"/>
+            </a:solidFill>
+            <a:ln w="28575" algn="ctr">
+              <a:solidFill>
+                <a:schemeClr val="tx1"/>
+              </a:solidFill>
+              <a:round/>
+              <a:headEnd/>
+              <a:tailEnd/>
+            </a:ln>
+            <a:effectLst/>
+          </p:spPr>
+          <p:txBody>
+            <a:bodyPr lIns="90000" tIns="46800" rIns="90000" bIns="46800" anchor="ctr">
+              <a:spAutoFit/>
+            </a:bodyPr>
+            <a:lstStyle/>
+            <a:p>
+              <a:endParaRPr lang="en-US"/>
+            </a:p>
+          </p:txBody>
+        </p:sp>
+        <p:sp>
+          <p:nvSpPr>
+            <p:cNvPr id="12" name="Oval 39"/>
+            <p:cNvSpPr>
+              <a:spLocks noChangeArrowheads="1"/>
+            </p:cNvSpPr>
+            <p:nvPr/>
+          </p:nvSpPr>
+          <p:spPr bwMode="auto">
+            <a:xfrm>
+              <a:off x="3847622" y="2425247"/>
+              <a:ext cx="190500" cy="190500"/>
+            </a:xfrm>
+            <a:prstGeom prst="ellipse">
+              <a:avLst/>
+            </a:prstGeom>
+            <a:solidFill>
+              <a:srgbClr val="B2B2B2"/>
+            </a:solidFill>
+            <a:ln w="28575" algn="ctr">
+              <a:solidFill>
+                <a:schemeClr val="tx1"/>
+              </a:solidFill>
+              <a:round/>
+              <a:headEnd/>
+              <a:tailEnd/>
+            </a:ln>
+            <a:effectLst/>
+          </p:spPr>
+          <p:txBody>
+            <a:bodyPr lIns="90000" tIns="46800" rIns="90000" bIns="46800" anchor="ctr">
+              <a:spAutoFit/>
+            </a:bodyPr>
+            <a:lstStyle/>
+            <a:p>
+              <a:endParaRPr lang="en-US"/>
+            </a:p>
+          </p:txBody>
+        </p:sp>
+        <p:sp>
+          <p:nvSpPr>
+            <p:cNvPr id="13" name="Oval 40"/>
+            <p:cNvSpPr>
+              <a:spLocks noChangeArrowheads="1"/>
+            </p:cNvSpPr>
+            <p:nvPr/>
+          </p:nvSpPr>
+          <p:spPr bwMode="auto">
+            <a:xfrm>
+              <a:off x="4543246" y="1512298"/>
+              <a:ext cx="190500" cy="190500"/>
+            </a:xfrm>
+            <a:prstGeom prst="ellipse">
+              <a:avLst/>
+            </a:prstGeom>
+            <a:solidFill>
+              <a:srgbClr val="B2B2B2"/>
+            </a:solidFill>
+            <a:ln w="28575" algn="ctr">
+              <a:solidFill>
+                <a:schemeClr val="tx1"/>
+              </a:solidFill>
+              <a:round/>
+              <a:headEnd/>
+              <a:tailEnd/>
+            </a:ln>
+            <a:effectLst/>
+          </p:spPr>
+          <p:txBody>
+            <a:bodyPr lIns="90000" tIns="46800" rIns="90000" bIns="46800" anchor="ctr">
+              <a:spAutoFit/>
+            </a:bodyPr>
+            <a:lstStyle/>
+            <a:p>
+              <a:endParaRPr lang="en-US"/>
+            </a:p>
+          </p:txBody>
+        </p:sp>
+        <p:sp>
+          <p:nvSpPr>
+            <p:cNvPr id="14" name="Oval 41"/>
+            <p:cNvSpPr>
+              <a:spLocks noChangeArrowheads="1"/>
+            </p:cNvSpPr>
+            <p:nvPr/>
+          </p:nvSpPr>
+          <p:spPr bwMode="auto">
+            <a:xfrm>
+              <a:off x="5701521" y="1462578"/>
+              <a:ext cx="190500" cy="190500"/>
+            </a:xfrm>
+            <a:prstGeom prst="ellipse">
+              <a:avLst/>
+            </a:prstGeom>
+            <a:solidFill>
+              <a:srgbClr val="B2B2B2"/>
+            </a:solidFill>
+            <a:ln w="28575" algn="ctr">
+              <a:solidFill>
+                <a:schemeClr val="tx1"/>
+              </a:solidFill>
+              <a:round/>
+              <a:headEnd/>
+              <a:tailEnd/>
+            </a:ln>
+            <a:effectLst/>
+          </p:spPr>
+          <p:txBody>
+            <a:bodyPr lIns="90000" tIns="46800" rIns="90000" bIns="46800" anchor="ctr">
+              <a:spAutoFit/>
+            </a:bodyPr>
+            <a:lstStyle/>
+            <a:p>
+              <a:endParaRPr lang="en-US"/>
+            </a:p>
+          </p:txBody>
+        </p:sp>
+        <p:sp>
+          <p:nvSpPr>
+            <p:cNvPr id="15" name="Oval 42"/>
+            <p:cNvSpPr>
+              <a:spLocks noChangeArrowheads="1"/>
+            </p:cNvSpPr>
+            <p:nvPr/>
+          </p:nvSpPr>
+          <p:spPr bwMode="auto">
+            <a:xfrm>
+              <a:off x="6800372" y="2749097"/>
+              <a:ext cx="190500" cy="190500"/>
+            </a:xfrm>
+            <a:prstGeom prst="ellipse">
+              <a:avLst/>
+            </a:prstGeom>
+            <a:solidFill>
+              <a:srgbClr val="B2B2B2"/>
+            </a:solidFill>
+            <a:ln w="28575" algn="ctr">
+              <a:solidFill>
+                <a:schemeClr val="tx1"/>
+              </a:solidFill>
+              <a:round/>
+              <a:headEnd/>
+              <a:tailEnd/>
+            </a:ln>
+            <a:effectLst/>
+          </p:spPr>
+          <p:txBody>
+            <a:bodyPr lIns="90000" tIns="46800" rIns="90000" bIns="46800" anchor="ctr">
+              <a:spAutoFit/>
+            </a:bodyPr>
+            <a:lstStyle/>
+            <a:p>
+              <a:endParaRPr lang="en-US"/>
+            </a:p>
+          </p:txBody>
+        </p:sp>
+        <p:sp>
+          <p:nvSpPr>
+            <p:cNvPr id="16" name="Oval 43"/>
+            <p:cNvSpPr>
+              <a:spLocks noChangeArrowheads="1"/>
+            </p:cNvSpPr>
+            <p:nvPr/>
+          </p:nvSpPr>
+          <p:spPr bwMode="auto">
+            <a:xfrm>
+              <a:off x="6108222" y="3155497"/>
+              <a:ext cx="190500" cy="190500"/>
+            </a:xfrm>
+            <a:prstGeom prst="ellipse">
+              <a:avLst/>
+            </a:prstGeom>
+            <a:solidFill>
+              <a:srgbClr val="B2B2B2"/>
+            </a:solidFill>
+            <a:ln w="28575" algn="ctr">
+              <a:solidFill>
+                <a:schemeClr val="tx1"/>
+              </a:solidFill>
+              <a:round/>
+              <a:headEnd/>
+              <a:tailEnd/>
+            </a:ln>
+            <a:effectLst/>
+          </p:spPr>
+          <p:txBody>
+            <a:bodyPr lIns="90000" tIns="46800" rIns="90000" bIns="46800" anchor="ctr">
+              <a:spAutoFit/>
+            </a:bodyPr>
+            <a:lstStyle/>
+            <a:p>
+              <a:endParaRPr lang="en-US"/>
+            </a:p>
+          </p:txBody>
+        </p:sp>
+        <p:sp>
+          <p:nvSpPr>
+            <p:cNvPr id="17" name="Oval 44"/>
+            <p:cNvSpPr>
+              <a:spLocks noChangeArrowheads="1"/>
+            </p:cNvSpPr>
+            <p:nvPr/>
+          </p:nvSpPr>
+          <p:spPr bwMode="auto">
+            <a:xfrm>
+              <a:off x="5339872" y="3460297"/>
+              <a:ext cx="190500" cy="190500"/>
+            </a:xfrm>
+            <a:prstGeom prst="ellipse">
+              <a:avLst/>
+            </a:prstGeom>
+            <a:solidFill>
+              <a:srgbClr val="B2B2B2"/>
+            </a:solidFill>
+            <a:ln w="28575" algn="ctr">
+              <a:solidFill>
+                <a:schemeClr val="tx1"/>
+              </a:solidFill>
+              <a:round/>
+              <a:headEnd/>
+              <a:tailEnd/>
+            </a:ln>
+            <a:effectLst/>
+          </p:spPr>
+          <p:txBody>
+            <a:bodyPr lIns="90000" tIns="46800" rIns="90000" bIns="46800" anchor="ctr">
+              <a:spAutoFit/>
+            </a:bodyPr>
+            <a:lstStyle/>
+            <a:p>
+              <a:endParaRPr lang="en-US"/>
+            </a:p>
+          </p:txBody>
+        </p:sp>
+        <p:cxnSp>
+          <p:nvCxnSpPr>
+            <p:cNvPr id="21" name="Straight Arrow Connector 20"/>
+            <p:cNvCxnSpPr>
+              <a:stCxn id="12" idx="6"/>
+              <a:endCxn id="50" idx="1"/>
+            </p:cNvCxnSpPr>
+            <p:nvPr/>
+          </p:nvCxnSpPr>
+          <p:spPr bwMode="auto">
+            <a:xfrm>
+              <a:off x="4038122" y="2520497"/>
+              <a:ext cx="1011869" cy="207625"/>
+            </a:xfrm>
+            <a:prstGeom prst="straightConnector1">
+              <a:avLst/>
+            </a:prstGeom>
+            <a:noFill/>
+            <a:ln w="28575" cap="flat" cmpd="sng" algn="ctr">
+              <a:solidFill>
+                <a:schemeClr val="accent2"/>
+              </a:solidFill>
+              <a:prstDash val="solid"/>
+              <a:round/>
+              <a:headEnd type="none" w="lg" len="lg"/>
+              <a:tailEnd type="triangle" w="lg" len="lg"/>
+            </a:ln>
+            <a:effectLst/>
+          </p:spPr>
+        </p:cxnSp>
+        <p:cxnSp>
+          <p:nvCxnSpPr>
+            <p:cNvPr id="27" name="Straight Arrow Connector 26"/>
+            <p:cNvCxnSpPr>
+              <a:stCxn id="13" idx="4"/>
+            </p:cNvCxnSpPr>
+            <p:nvPr/>
+          </p:nvCxnSpPr>
+          <p:spPr bwMode="auto">
+            <a:xfrm>
+              <a:off x="4638496" y="1702798"/>
+              <a:ext cx="140525" cy="305253"/>
+            </a:xfrm>
+            <a:prstGeom prst="straightConnector1">
+              <a:avLst/>
+            </a:prstGeom>
+            <a:noFill/>
+            <a:ln w="28575" cap="flat" cmpd="sng" algn="ctr">
+              <a:solidFill>
+                <a:schemeClr val="accent2"/>
+              </a:solidFill>
+              <a:prstDash val="solid"/>
+              <a:round/>
+              <a:headEnd type="none" w="lg" len="lg"/>
+              <a:tailEnd type="triangle" w="lg" len="lg"/>
+            </a:ln>
+            <a:effectLst/>
+          </p:spPr>
+        </p:cxnSp>
+        <p:cxnSp>
+          <p:nvCxnSpPr>
+            <p:cNvPr id="29" name="Straight Arrow Connector 28"/>
+            <p:cNvCxnSpPr>
+              <a:stCxn id="14" idx="4"/>
+            </p:cNvCxnSpPr>
+            <p:nvPr/>
+          </p:nvCxnSpPr>
+          <p:spPr bwMode="auto">
+            <a:xfrm flipH="1">
+              <a:off x="5779929" y="1653078"/>
+              <a:ext cx="16842" cy="373317"/>
+            </a:xfrm>
+            <a:prstGeom prst="straightConnector1">
+              <a:avLst/>
+            </a:prstGeom>
+            <a:noFill/>
+            <a:ln w="28575" cap="flat" cmpd="sng" algn="ctr">
+              <a:solidFill>
+                <a:schemeClr val="accent2"/>
+              </a:solidFill>
+              <a:prstDash val="solid"/>
+              <a:round/>
+              <a:headEnd type="none" w="lg" len="lg"/>
+              <a:tailEnd type="triangle" w="lg" len="lg"/>
+            </a:ln>
+            <a:effectLst/>
+          </p:spPr>
+        </p:cxnSp>
+        <p:cxnSp>
+          <p:nvCxnSpPr>
+            <p:cNvPr id="33" name="Straight Arrow Connector 32"/>
+            <p:cNvCxnSpPr>
+              <a:stCxn id="15" idx="2"/>
+            </p:cNvCxnSpPr>
+            <p:nvPr/>
+          </p:nvCxnSpPr>
+          <p:spPr bwMode="auto">
+            <a:xfrm flipH="1" flipV="1">
+              <a:off x="6417330" y="2749097"/>
+              <a:ext cx="383042" cy="95250"/>
+            </a:xfrm>
+            <a:prstGeom prst="straightConnector1">
+              <a:avLst/>
+            </a:prstGeom>
+            <a:noFill/>
+            <a:ln w="28575" cap="flat" cmpd="sng" algn="ctr">
+              <a:solidFill>
+                <a:schemeClr val="accent2"/>
+              </a:solidFill>
+              <a:prstDash val="solid"/>
+              <a:round/>
+              <a:headEnd type="none" w="lg" len="lg"/>
+              <a:tailEnd type="triangle" w="lg" len="lg"/>
+            </a:ln>
+            <a:effectLst/>
+          </p:spPr>
+        </p:cxnSp>
+        <p:cxnSp>
+          <p:nvCxnSpPr>
+            <p:cNvPr id="37" name="Straight Arrow Connector 36"/>
+            <p:cNvCxnSpPr>
+              <a:stCxn id="16" idx="1"/>
+            </p:cNvCxnSpPr>
+            <p:nvPr/>
+          </p:nvCxnSpPr>
+          <p:spPr bwMode="auto">
+            <a:xfrm flipH="1" flipV="1">
+              <a:off x="6027459" y="2930076"/>
+              <a:ext cx="108661" cy="253319"/>
+            </a:xfrm>
+            <a:prstGeom prst="straightConnector1">
+              <a:avLst/>
+            </a:prstGeom>
+            <a:noFill/>
+            <a:ln w="28575" cap="flat" cmpd="sng" algn="ctr">
+              <a:solidFill>
+                <a:schemeClr val="accent2"/>
+              </a:solidFill>
+              <a:prstDash val="solid"/>
+              <a:round/>
+              <a:headEnd type="none" w="lg" len="lg"/>
+              <a:tailEnd type="triangle" w="lg" len="lg"/>
+            </a:ln>
+            <a:effectLst/>
+          </p:spPr>
+        </p:cxnSp>
+        <p:cxnSp>
+          <p:nvCxnSpPr>
+            <p:cNvPr id="39" name="Straight Arrow Connector 38"/>
+            <p:cNvCxnSpPr>
+              <a:stCxn id="17" idx="0"/>
+            </p:cNvCxnSpPr>
+            <p:nvPr/>
+          </p:nvCxnSpPr>
+          <p:spPr bwMode="auto">
+            <a:xfrm flipH="1" flipV="1">
+              <a:off x="5410972" y="3132595"/>
+              <a:ext cx="24150" cy="327702"/>
+            </a:xfrm>
+            <a:prstGeom prst="straightConnector1">
+              <a:avLst/>
+            </a:prstGeom>
+            <a:noFill/>
+            <a:ln w="28575" cap="flat" cmpd="sng" algn="ctr">
+              <a:solidFill>
+                <a:schemeClr val="accent2"/>
+              </a:solidFill>
+              <a:prstDash val="solid"/>
+              <a:round/>
+              <a:headEnd type="none" w="lg" len="lg"/>
+              <a:tailEnd type="triangle" w="lg" len="lg"/>
+            </a:ln>
+            <a:effectLst/>
+          </p:spPr>
+        </p:cxnSp>
+        <p:cxnSp>
+          <p:nvCxnSpPr>
+            <p:cNvPr id="41" name="Straight Arrow Connector 40"/>
+            <p:cNvCxnSpPr>
+              <a:stCxn id="11" idx="0"/>
+            </p:cNvCxnSpPr>
+            <p:nvPr/>
+          </p:nvCxnSpPr>
+          <p:spPr bwMode="auto">
+            <a:xfrm flipV="1">
+              <a:off x="4673122" y="2890724"/>
+              <a:ext cx="0" cy="213973"/>
+            </a:xfrm>
+            <a:prstGeom prst="straightConnector1">
+              <a:avLst/>
+            </a:prstGeom>
+            <a:noFill/>
+            <a:ln w="28575" cap="flat" cmpd="sng" algn="ctr">
+              <a:solidFill>
+                <a:schemeClr val="accent2"/>
+              </a:solidFill>
+              <a:prstDash val="solid"/>
+              <a:round/>
+              <a:headEnd type="none" w="lg" len="lg"/>
+              <a:tailEnd type="triangle" w="lg" len="lg"/>
+            </a:ln>
+            <a:effectLst/>
+          </p:spPr>
+        </p:cxnSp>
+        <p:cxnSp>
+          <p:nvCxnSpPr>
+            <p:cNvPr id="96" name="Straight Arrow Connector 95"/>
+            <p:cNvCxnSpPr/>
+            <p:nvPr/>
+          </p:nvCxnSpPr>
+          <p:spPr bwMode="auto">
+            <a:xfrm flipV="1">
+              <a:off x="4700397" y="3393512"/>
+              <a:ext cx="0" cy="213973"/>
+            </a:xfrm>
+            <a:prstGeom prst="straightConnector1">
+              <a:avLst/>
+            </a:prstGeom>
+            <a:noFill/>
+            <a:ln w="28575" cap="flat" cmpd="sng" algn="ctr">
+              <a:solidFill>
+                <a:schemeClr val="accent2"/>
+              </a:solidFill>
+              <a:prstDash val="solid"/>
+              <a:round/>
+              <a:headEnd type="none" w="lg" len="lg"/>
+              <a:tailEnd type="triangle" w="lg" len="lg"/>
+            </a:ln>
+            <a:effectLst/>
+          </p:spPr>
+        </p:cxnSp>
+        <p:cxnSp>
+          <p:nvCxnSpPr>
+            <p:cNvPr id="97" name="Straight Arrow Connector 96"/>
+            <p:cNvCxnSpPr/>
+            <p:nvPr/>
+          </p:nvCxnSpPr>
+          <p:spPr bwMode="auto">
+            <a:xfrm flipV="1">
+              <a:off x="5452451" y="3699030"/>
+              <a:ext cx="0" cy="213973"/>
+            </a:xfrm>
+            <a:prstGeom prst="straightConnector1">
+              <a:avLst/>
+            </a:prstGeom>
+            <a:noFill/>
+            <a:ln w="28575" cap="flat" cmpd="sng" algn="ctr">
+              <a:solidFill>
+                <a:schemeClr val="accent2"/>
+              </a:solidFill>
+              <a:prstDash val="solid"/>
+              <a:round/>
+              <a:headEnd type="none" w="lg" len="lg"/>
+              <a:tailEnd type="triangle" w="lg" len="lg"/>
+            </a:ln>
+            <a:effectLst/>
+          </p:spPr>
+        </p:cxnSp>
+        <p:cxnSp>
+          <p:nvCxnSpPr>
+            <p:cNvPr id="98" name="Straight Arrow Connector 97"/>
+            <p:cNvCxnSpPr/>
+            <p:nvPr/>
+          </p:nvCxnSpPr>
+          <p:spPr bwMode="auto">
+            <a:xfrm flipV="1">
+              <a:off x="6247444" y="3393511"/>
+              <a:ext cx="0" cy="213973"/>
+            </a:xfrm>
+            <a:prstGeom prst="straightConnector1">
+              <a:avLst/>
+            </a:prstGeom>
+            <a:noFill/>
+            <a:ln w="28575" cap="flat" cmpd="sng" algn="ctr">
+              <a:solidFill>
+                <a:schemeClr val="accent2"/>
+              </a:solidFill>
+              <a:prstDash val="solid"/>
+              <a:round/>
+              <a:headEnd type="none" w="lg" len="lg"/>
+              <a:tailEnd type="triangle" w="lg" len="lg"/>
+            </a:ln>
+            <a:effectLst/>
+          </p:spPr>
+        </p:cxnSp>
+        <p:cxnSp>
+          <p:nvCxnSpPr>
+            <p:cNvPr id="99" name="Straight Arrow Connector 98"/>
+            <p:cNvCxnSpPr/>
+            <p:nvPr/>
+          </p:nvCxnSpPr>
+          <p:spPr bwMode="auto">
+            <a:xfrm flipH="1" flipV="1">
+              <a:off x="7092280" y="2930076"/>
+              <a:ext cx="360040" cy="159541"/>
+            </a:xfrm>
+            <a:prstGeom prst="straightConnector1">
+              <a:avLst/>
+            </a:prstGeom>
+            <a:noFill/>
+            <a:ln w="28575" cap="flat" cmpd="sng" algn="ctr">
+              <a:solidFill>
+                <a:schemeClr val="accent2"/>
+              </a:solidFill>
+              <a:prstDash val="solid"/>
+              <a:round/>
+              <a:headEnd type="none" w="lg" len="lg"/>
+              <a:tailEnd type="triangle" w="lg" len="lg"/>
+            </a:ln>
+            <a:effectLst/>
+          </p:spPr>
+        </p:cxnSp>
+        <p:cxnSp>
+          <p:nvCxnSpPr>
+            <p:cNvPr id="101" name="Straight Arrow Connector 100"/>
+            <p:cNvCxnSpPr/>
+            <p:nvPr/>
+          </p:nvCxnSpPr>
+          <p:spPr bwMode="auto">
+            <a:xfrm flipH="1">
+              <a:off x="5829726" y="1237010"/>
+              <a:ext cx="180020" cy="177586"/>
+            </a:xfrm>
+            <a:prstGeom prst="straightConnector1">
+              <a:avLst/>
+            </a:prstGeom>
+            <a:noFill/>
+            <a:ln w="28575" cap="flat" cmpd="sng" algn="ctr">
+              <a:solidFill>
+                <a:schemeClr val="accent2"/>
+              </a:solidFill>
+              <a:prstDash val="solid"/>
+              <a:round/>
+              <a:headEnd type="none" w="lg" len="lg"/>
+              <a:tailEnd type="triangle" w="lg" len="lg"/>
+            </a:ln>
+            <a:effectLst/>
+          </p:spPr>
+        </p:cxnSp>
+        <p:cxnSp>
+          <p:nvCxnSpPr>
+            <p:cNvPr id="103" name="Straight Arrow Connector 102"/>
+            <p:cNvCxnSpPr/>
+            <p:nvPr/>
+          </p:nvCxnSpPr>
+          <p:spPr bwMode="auto">
+            <a:xfrm>
+              <a:off x="4405313" y="1327034"/>
+              <a:ext cx="171873" cy="185264"/>
+            </a:xfrm>
+            <a:prstGeom prst="straightConnector1">
+              <a:avLst/>
+            </a:prstGeom>
+            <a:noFill/>
+            <a:ln w="28575" cap="flat" cmpd="sng" algn="ctr">
+              <a:solidFill>
+                <a:schemeClr val="accent2"/>
+              </a:solidFill>
+              <a:prstDash val="solid"/>
+              <a:round/>
+              <a:headEnd type="none" w="lg" len="lg"/>
+              <a:tailEnd type="triangle" w="lg" len="lg"/>
+            </a:ln>
+            <a:effectLst/>
+          </p:spPr>
+        </p:cxnSp>
+        <p:cxnSp>
+          <p:nvCxnSpPr>
+            <p:cNvPr id="105" name="Straight Arrow Connector 104"/>
+            <p:cNvCxnSpPr/>
+            <p:nvPr/>
+          </p:nvCxnSpPr>
+          <p:spPr bwMode="auto">
+            <a:xfrm>
+              <a:off x="3521659" y="2530835"/>
+              <a:ext cx="300926" cy="960"/>
+            </a:xfrm>
+            <a:prstGeom prst="straightConnector1">
+              <a:avLst/>
+            </a:prstGeom>
+            <a:noFill/>
+            <a:ln w="28575" cap="flat" cmpd="sng" algn="ctr">
+              <a:solidFill>
+                <a:schemeClr val="accent2"/>
+              </a:solidFill>
+              <a:prstDash val="solid"/>
+              <a:round/>
+              <a:headEnd type="none" w="lg" len="lg"/>
+              <a:tailEnd type="triangle" w="lg" len="lg"/>
+            </a:ln>
+            <a:effectLst/>
+          </p:spPr>
+        </p:cxnSp>
+      </p:grpSp>
+    </p:spTree>
+    <p:extLst>
+      <p:ext uri="{BB962C8B-B14F-4D97-AF65-F5344CB8AC3E}">
+        <p14:creationId xmlns:p14="http://schemas.microsoft.com/office/powerpoint/2010/main" val="3868182542"/>
+      </p:ext>
+    </p:extLst>
+  </p:cSld>
+  <p:clrMapOvr>
+    <a:masterClrMapping/>
+  </p:clrMapOvr>
+  <p:timing>
+    <p:tnLst>
+      <p:par>
+        <p:cTn id="1" dur="indefinite" restart="never" nodeType="tmRoot">
+          <p:childTnLst>
+            <p:seq concurrent="1" nextAc="seek">
+              <p:cTn id="2" dur="indefinite" nodeType="mainSeq">
+                <p:childTnLst>
+                  <p:par>
+                    <p:cTn id="3" fill="hold">
+                      <p:stCondLst>
+                        <p:cond delay="indefinite"/>
+                      </p:stCondLst>
+                      <p:childTnLst>
+                        <p:par>
+                          <p:cTn id="4" fill="hold">
+                            <p:stCondLst>
+                              <p:cond delay="0"/>
+                            </p:stCondLst>
+                            <p:childTnLst>
+                              <p:par>
+                                <p:cTn id="5" presetID="1" presetClass="entr" presetSubtype="0" fill="hold" nodeType="clickEffect">
+                                  <p:stCondLst>
+                                    <p:cond delay="0"/>
+                                  </p:stCondLst>
+                                  <p:childTnLst>
+                                    <p:set>
+                                      <p:cBhvr>
+                                        <p:cTn id="6" dur="1" fill="hold">
+                                          <p:stCondLst>
+                                            <p:cond delay="0"/>
+                                          </p:stCondLst>
+                                        </p:cTn>
+                                        <p:tgtEl>
+                                          <p:spTgt spid="107"/>
+                                        </p:tgtEl>
+                                        <p:attrNameLst>
+                                          <p:attrName>style.visibility</p:attrName>
+                                        </p:attrNameLst>
+                                      </p:cBhvr>
+                                      <p:to>
+                                        <p:strVal val="visible"/>
+                                      </p:to>
+                                    </p:set>
+                                  </p:childTnLst>
+                                </p:cTn>
+                              </p:par>
+                            </p:childTnLst>
+                          </p:cTn>
+                        </p:par>
+                      </p:childTnLst>
+                    </p:cTn>
+                  </p:par>
+                  <p:par>
+                    <p:cTn id="7" fill="hold">
+                      <p:stCondLst>
+                        <p:cond delay="indefinite"/>
+                      </p:stCondLst>
+                      <p:childTnLst>
+                        <p:par>
+                          <p:cTn id="8" fill="hold">
+                            <p:stCondLst>
+                              <p:cond delay="0"/>
+                            </p:stCondLst>
+                            <p:childTnLst>
+                              <p:par>
+                                <p:cTn id="9" presetID="1" presetClass="entr" presetSubtype="0" fill="hold" grpId="0" nodeType="clickEffect">
+                                  <p:stCondLst>
+                                    <p:cond delay="0"/>
+                                  </p:stCondLst>
+                                  <p:childTnLst>
+                                    <p:set>
+                                      <p:cBhvr>
+                                        <p:cTn id="10" dur="1" fill="hold">
+                                          <p:stCondLst>
+                                            <p:cond delay="0"/>
+                                          </p:stCondLst>
+                                        </p:cTn>
+                                        <p:tgtEl>
+                                          <p:spTgt spid="50"/>
+                                        </p:tgtEl>
+                                        <p:attrNameLst>
+                                          <p:attrName>style.visibility</p:attrName>
+                                        </p:attrNameLst>
+                                      </p:cBhvr>
+                                      <p:to>
+                                        <p:strVal val="visible"/>
+                                      </p:to>
+                                    </p:set>
+                                  </p:childTnLst>
+                                </p:cTn>
+                              </p:par>
+                              <p:par>
+                                <p:cTn id="11" presetID="1" presetClass="entr" presetSubtype="0" fill="hold" nodeType="withEffect">
+                                  <p:stCondLst>
+                                    <p:cond delay="0"/>
+                                  </p:stCondLst>
+                                  <p:childTnLst>
+                                    <p:set>
+                                      <p:cBhvr>
+                                        <p:cTn id="12" dur="1" fill="hold">
+                                          <p:stCondLst>
+                                            <p:cond delay="0"/>
+                                          </p:stCondLst>
+                                        </p:cTn>
+                                        <p:tgtEl>
+                                          <p:spTgt spid="52"/>
+                                        </p:tgtEl>
+                                        <p:attrNameLst>
+                                          <p:attrName>style.visibility</p:attrName>
+                                        </p:attrNameLst>
+                                      </p:cBhvr>
+                                      <p:to>
+                                        <p:strVal val="visible"/>
+                                      </p:to>
+                                    </p:set>
+                                  </p:childTnLst>
+                                </p:cTn>
+                              </p:par>
+                            </p:childTnLst>
+                          </p:cTn>
+                        </p:par>
+                      </p:childTnLst>
+                    </p:cTn>
+                  </p:par>
+                  <p:par>
+                    <p:cTn id="13" fill="hold">
+                      <p:stCondLst>
+                        <p:cond delay="indefinite"/>
+                      </p:stCondLst>
+                      <p:childTnLst>
+                        <p:par>
+                          <p:cTn id="14" fill="hold">
+                            <p:stCondLst>
+                              <p:cond delay="0"/>
+                            </p:stCondLst>
+                            <p:childTnLst>
+                              <p:par>
+                                <p:cTn id="15" presetID="1" presetClass="entr" presetSubtype="0" fill="hold" grpId="0" nodeType="clickEffect">
+                                  <p:stCondLst>
+                                    <p:cond delay="0"/>
+                                  </p:stCondLst>
+                                  <p:childTnLst>
+                                    <p:set>
+                                      <p:cBhvr>
+                                        <p:cTn id="16" dur="1" fill="hold">
+                                          <p:stCondLst>
+                                            <p:cond delay="0"/>
+                                          </p:stCondLst>
+                                        </p:cTn>
+                                        <p:tgtEl>
+                                          <p:spTgt spid="51"/>
+                                        </p:tgtEl>
+                                        <p:attrNameLst>
+                                          <p:attrName>style.visibility</p:attrName>
+                                        </p:attrNameLst>
+                                      </p:cBhvr>
+                                      <p:to>
+                                        <p:strVal val="visible"/>
+                                      </p:to>
+                                    </p:set>
+                                  </p:childTnLst>
+                                </p:cTn>
+                              </p:par>
+                              <p:par>
+                                <p:cTn id="17" presetID="1" presetClass="entr" presetSubtype="0" fill="hold" nodeType="withEffect">
+                                  <p:stCondLst>
+                                    <p:cond delay="0"/>
+                                  </p:stCondLst>
+                                  <p:childTnLst>
+                                    <p:set>
+                                      <p:cBhvr>
+                                        <p:cTn id="18" dur="1" fill="hold">
+                                          <p:stCondLst>
+                                            <p:cond delay="0"/>
+                                          </p:stCondLst>
+                                        </p:cTn>
+                                        <p:tgtEl>
+                                          <p:spTgt spid="65"/>
+                                        </p:tgtEl>
+                                        <p:attrNameLst>
+                                          <p:attrName>style.visibility</p:attrName>
+                                        </p:attrNameLst>
+                                      </p:cBhvr>
+                                      <p:to>
+                                        <p:strVal val="visible"/>
+                                      </p:to>
+                                    </p:set>
+                                  </p:childTnLst>
+                                </p:cTn>
+                              </p:par>
+                            </p:childTnLst>
+                          </p:cTn>
+                        </p:par>
+                      </p:childTnLst>
+                    </p:cTn>
+                  </p:par>
+                  <p:par>
+                    <p:cTn id="19" fill="hold">
+                      <p:stCondLst>
+                        <p:cond delay="indefinite"/>
+                      </p:stCondLst>
+                      <p:childTnLst>
+                        <p:par>
+                          <p:cTn id="20" fill="hold">
+                            <p:stCondLst>
+                              <p:cond delay="0"/>
+                            </p:stCondLst>
+                            <p:childTnLst>
+                              <p:par>
+                                <p:cTn id="21" presetID="1" presetClass="entr" presetSubtype="0" fill="hold" grpId="0" nodeType="clickEffect">
+                                  <p:stCondLst>
+                                    <p:cond delay="0"/>
+                                  </p:stCondLst>
+                                  <p:childTnLst>
+                                    <p:set>
+                                      <p:cBhvr>
+                                        <p:cTn id="22" dur="1" fill="hold">
+                                          <p:stCondLst>
+                                            <p:cond delay="0"/>
+                                          </p:stCondLst>
+                                        </p:cTn>
+                                        <p:tgtEl>
+                                          <p:spTgt spid="64"/>
+                                        </p:tgtEl>
+                                        <p:attrNameLst>
+                                          <p:attrName>style.visibility</p:attrName>
+                                        </p:attrNameLst>
+                                      </p:cBhvr>
+                                      <p:to>
+                                        <p:strVal val="visible"/>
+                                      </p:to>
+                                    </p:set>
+                                  </p:childTnLst>
+                                </p:cTn>
+                              </p:par>
+                              <p:par>
+                                <p:cTn id="23" presetID="1" presetClass="entr" presetSubtype="0" fill="hold" nodeType="withEffect">
+                                  <p:stCondLst>
+                                    <p:cond delay="0"/>
+                                  </p:stCondLst>
+                                  <p:childTnLst>
+                                    <p:set>
+                                      <p:cBhvr>
+                                        <p:cTn id="24" dur="1" fill="hold">
+                                          <p:stCondLst>
+                                            <p:cond delay="0"/>
+                                          </p:stCondLst>
+                                        </p:cTn>
+                                        <p:tgtEl>
+                                          <p:spTgt spid="68"/>
+                                        </p:tgtEl>
+                                        <p:attrNameLst>
+                                          <p:attrName>style.visibility</p:attrName>
+                                        </p:attrNameLst>
+                                      </p:cBhvr>
+                                      <p:to>
+                                        <p:strVal val="visible"/>
+                                      </p:to>
+                                    </p:set>
+                                  </p:childTnLst>
+                                </p:cTn>
+                              </p:par>
+                            </p:childTnLst>
+                          </p:cTn>
+                        </p:par>
+                      </p:childTnLst>
+                    </p:cTn>
+                  </p:par>
+                  <p:par>
+                    <p:cTn id="25" fill="hold">
+                      <p:stCondLst>
+                        <p:cond delay="indefinite"/>
+                      </p:stCondLst>
+                      <p:childTnLst>
+                        <p:par>
+                          <p:cTn id="26" fill="hold">
+                            <p:stCondLst>
+                              <p:cond delay="0"/>
+                            </p:stCondLst>
+                            <p:childTnLst>
+                              <p:par>
+                                <p:cTn id="27" presetID="1" presetClass="entr" presetSubtype="0" fill="hold" grpId="0" nodeType="clickEffect">
+                                  <p:stCondLst>
+                                    <p:cond delay="0"/>
+                                  </p:stCondLst>
+                                  <p:childTnLst>
+                                    <p:set>
+                                      <p:cBhvr>
+                                        <p:cTn id="28" dur="1" fill="hold">
+                                          <p:stCondLst>
+                                            <p:cond delay="0"/>
+                                          </p:stCondLst>
+                                        </p:cTn>
+                                        <p:tgtEl>
+                                          <p:spTgt spid="78"/>
+                                        </p:tgtEl>
+                                        <p:attrNameLst>
+                                          <p:attrName>style.visibility</p:attrName>
+                                        </p:attrNameLst>
+                                      </p:cBhvr>
+                                      <p:to>
+                                        <p:strVal val="visible"/>
+                                      </p:to>
+                                    </p:set>
+                                  </p:childTnLst>
+                                </p:cTn>
+                              </p:par>
+                              <p:par>
+                                <p:cTn id="29" presetID="1" presetClass="entr" presetSubtype="0" fill="hold" nodeType="withEffect">
+                                  <p:stCondLst>
+                                    <p:cond delay="0"/>
+                                  </p:stCondLst>
+                                  <p:childTnLst>
+                                    <p:set>
+                                      <p:cBhvr>
+                                        <p:cTn id="30" dur="1" fill="hold">
+                                          <p:stCondLst>
+                                            <p:cond delay="0"/>
+                                          </p:stCondLst>
+                                        </p:cTn>
+                                        <p:tgtEl>
+                                          <p:spTgt spid="80"/>
+                                        </p:tgtEl>
+                                        <p:attrNameLst>
+                                          <p:attrName>style.visibility</p:attrName>
+                                        </p:attrNameLst>
+                                      </p:cBhvr>
+                                      <p:to>
+                                        <p:strVal val="visible"/>
+                                      </p:to>
+                                    </p:set>
+                                  </p:childTnLst>
+                                </p:cTn>
+                              </p:par>
+                            </p:childTnLst>
+                          </p:cTn>
+                        </p:par>
+                      </p:childTnLst>
+                    </p:cTn>
+                  </p:par>
+                </p:childTnLst>
+              </p:cTn>
+              <p:prevCondLst>
+                <p:cond evt="onPrev" delay="0">
+                  <p:tgtEl>
+                    <p:sldTgt/>
+                  </p:tgtEl>
+                </p:cond>
+              </p:prevCondLst>
+              <p:nextCondLst>
+                <p:cond evt="onNext" delay="0">
+                  <p:tgtEl>
+                    <p:sldTgt/>
+                  </p:tgtEl>
+                </p:cond>
+              </p:nextCondLst>
+            </p:seq>
+          </p:childTnLst>
+        </p:cTn>
+      </p:par>
+    </p:tnLst>
+    <p:bldLst>
+      <p:bldP spid="50" grpId="0" animBg="1"/>
+      <p:bldP spid="51" grpId="0" uiExpand="1" animBg="1"/>
+      <p:bldP spid="64" grpId="0" uiExpand="1" animBg="1"/>
+      <p:bldP spid="78" grpId="0" uiExpand="1" animBg="1"/>
+    </p:bldLst>
+  </p:timing>
+</p:sld>
+</file>
+
+<file path=ppt/slides/slide22.xml><?xml version="1.0" encoding="utf-8"?>
+<p:sld xmlns:a="http://schemas.openxmlformats.org/drawingml/2006/main" xmlns:r="http://schemas.openxmlformats.org/officeDocument/2006/relationships" xmlns:p="http://schemas.openxmlformats.org/presentationml/2006/main">
+  <p:cSld>
+    <p:spTree>
+      <p:nvGrpSpPr>
+        <p:cNvPr id="1" name=""/>
+        <p:cNvGrpSpPr/>
+        <p:nvPr/>
+      </p:nvGrpSpPr>
+      <p:grpSpPr>
+        <a:xfrm>
+          <a:off x="0" y="0"/>
+          <a:ext cx="0" cy="0"/>
+          <a:chOff x="0" y="0"/>
+          <a:chExt cx="0" cy="0"/>
+        </a:xfrm>
+      </p:grpSpPr>
+      <p:sp>
+        <p:nvSpPr>
+          <p:cNvPr id="2" name="Title 1"/>
+          <p:cNvSpPr>
+            <a:spLocks noGrp="1"/>
+          </p:cNvSpPr>
+          <p:nvPr>
+            <p:ph type="title"/>
+          </p:nvPr>
+        </p:nvSpPr>
+        <p:spPr/>
+        <p:txBody>
+          <a:bodyPr/>
+          <a:lstStyle/>
+          <a:p>
+            <a:r>
+              <a:rPr lang="en-US" dirty="0" smtClean="0"/>
+              <a:t>No mono-colored triangles</a:t>
+            </a:r>
+            <a:endParaRPr lang="nl-NL" dirty="0"/>
+          </a:p>
+        </p:txBody>
+      </p:sp>
+      <p:grpSp>
+        <p:nvGrpSpPr>
+          <p:cNvPr id="4" name="Group 3"/>
+          <p:cNvGrpSpPr/>
+          <p:nvPr/>
+        </p:nvGrpSpPr>
+        <p:grpSpPr>
+          <a:xfrm>
+            <a:off x="2096725" y="2348880"/>
+            <a:ext cx="3378162" cy="955585"/>
+            <a:chOff x="1961710" y="4914165"/>
+            <a:chExt cx="3378162" cy="955585"/>
+          </a:xfrm>
+        </p:grpSpPr>
+        <p:sp>
+          <p:nvSpPr>
+            <p:cNvPr id="5" name="Oval 39"/>
+            <p:cNvSpPr>
+              <a:spLocks noChangeArrowheads="1"/>
+            </p:cNvSpPr>
+            <p:nvPr/>
+          </p:nvSpPr>
+          <p:spPr bwMode="auto">
+            <a:xfrm>
+              <a:off x="1961710" y="4914165"/>
+              <a:ext cx="190500" cy="190500"/>
+            </a:xfrm>
+            <a:prstGeom prst="ellipse">
+              <a:avLst/>
+            </a:prstGeom>
+            <a:solidFill>
+              <a:srgbClr val="B2B2B2"/>
+            </a:solidFill>
+            <a:ln w="28575" algn="ctr">
+              <a:solidFill>
+                <a:schemeClr val="tx1"/>
+              </a:solidFill>
+              <a:round/>
+              <a:headEnd/>
+              <a:tailEnd/>
+            </a:ln>
+            <a:effectLst/>
+          </p:spPr>
+          <p:txBody>
+            <a:bodyPr lIns="90000" tIns="46800" rIns="90000" bIns="46800" anchor="ctr">
+              <a:spAutoFit/>
+            </a:bodyPr>
+            <a:lstStyle/>
+            <a:p>
+              <a:endParaRPr lang="en-US"/>
+            </a:p>
+          </p:txBody>
+        </p:sp>
+        <p:sp>
+          <p:nvSpPr>
+            <p:cNvPr id="6" name="Oval 39"/>
+            <p:cNvSpPr>
+              <a:spLocks noChangeArrowheads="1"/>
+            </p:cNvSpPr>
+            <p:nvPr/>
+          </p:nvSpPr>
+          <p:spPr bwMode="auto">
+            <a:xfrm>
+              <a:off x="5149372" y="4939204"/>
+              <a:ext cx="190500" cy="190500"/>
+            </a:xfrm>
+            <a:prstGeom prst="ellipse">
+              <a:avLst/>
+            </a:prstGeom>
+            <a:solidFill>
+              <a:srgbClr val="B2B2B2"/>
+            </a:solidFill>
+            <a:ln w="28575" algn="ctr">
+              <a:solidFill>
+                <a:schemeClr val="tx1"/>
+              </a:solidFill>
+              <a:round/>
+              <a:headEnd/>
+              <a:tailEnd/>
+            </a:ln>
+            <a:effectLst/>
+          </p:spPr>
+          <p:txBody>
+            <a:bodyPr lIns="90000" tIns="46800" rIns="90000" bIns="46800" anchor="ctr">
+              <a:spAutoFit/>
+            </a:bodyPr>
+            <a:lstStyle/>
+            <a:p>
+              <a:endParaRPr lang="en-US"/>
+            </a:p>
+          </p:txBody>
+        </p:sp>
+        <p:sp>
+          <p:nvSpPr>
+            <p:cNvPr id="7" name="Oval 39"/>
+            <p:cNvSpPr>
+              <a:spLocks noChangeArrowheads="1"/>
+            </p:cNvSpPr>
+            <p:nvPr/>
+          </p:nvSpPr>
+          <p:spPr bwMode="auto">
+            <a:xfrm>
+              <a:off x="3576872" y="5679250"/>
+              <a:ext cx="190500" cy="190500"/>
+            </a:xfrm>
+            <a:prstGeom prst="ellipse">
+              <a:avLst/>
+            </a:prstGeom>
+            <a:solidFill>
+              <a:srgbClr val="B2B2B2"/>
+            </a:solidFill>
+            <a:ln w="28575" algn="ctr">
+              <a:solidFill>
+                <a:schemeClr val="tx1"/>
+              </a:solidFill>
+              <a:round/>
+              <a:headEnd/>
+              <a:tailEnd/>
+            </a:ln>
+            <a:effectLst/>
+          </p:spPr>
+          <p:txBody>
+            <a:bodyPr lIns="90000" tIns="46800" rIns="90000" bIns="46800" anchor="ctr">
+              <a:spAutoFit/>
+            </a:bodyPr>
+            <a:lstStyle/>
+            <a:p>
+              <a:endParaRPr lang="en-US"/>
+            </a:p>
+          </p:txBody>
+        </p:sp>
+        <p:cxnSp>
+          <p:nvCxnSpPr>
+            <p:cNvPr id="8" name="Straight Arrow Connector 7"/>
+            <p:cNvCxnSpPr>
+              <a:stCxn id="5" idx="6"/>
+              <a:endCxn id="6" idx="2"/>
+            </p:cNvCxnSpPr>
+            <p:nvPr/>
+          </p:nvCxnSpPr>
+          <p:spPr bwMode="auto">
+            <a:xfrm>
+              <a:off x="2152210" y="5009415"/>
+              <a:ext cx="2997162" cy="25039"/>
+            </a:xfrm>
+            <a:prstGeom prst="straightConnector1">
+              <a:avLst/>
+            </a:prstGeom>
+            <a:noFill/>
+            <a:ln w="28575" cap="flat" cmpd="sng" algn="ctr">
+              <a:solidFill>
+                <a:schemeClr val="accent1"/>
+              </a:solidFill>
+              <a:prstDash val="solid"/>
+              <a:round/>
+              <a:headEnd type="none" w="lg" len="lg"/>
+              <a:tailEnd type="triangle" w="lg" len="lg"/>
+            </a:ln>
+            <a:effectLst/>
+          </p:spPr>
+        </p:cxnSp>
+        <p:cxnSp>
+          <p:nvCxnSpPr>
+            <p:cNvPr id="9" name="Straight Arrow Connector 8"/>
+            <p:cNvCxnSpPr>
+              <a:stCxn id="5" idx="5"/>
+              <a:endCxn id="7" idx="2"/>
+            </p:cNvCxnSpPr>
+            <p:nvPr/>
+          </p:nvCxnSpPr>
+          <p:spPr bwMode="auto">
+            <a:xfrm>
+              <a:off x="2124312" y="5076767"/>
+              <a:ext cx="1452560" cy="697733"/>
+            </a:xfrm>
+            <a:prstGeom prst="straightConnector1">
+              <a:avLst/>
+            </a:prstGeom>
+            <a:noFill/>
+            <a:ln w="28575" cap="flat" cmpd="sng" algn="ctr">
+              <a:solidFill>
+                <a:schemeClr val="accent1"/>
+              </a:solidFill>
+              <a:prstDash val="solid"/>
+              <a:round/>
+              <a:headEnd type="none" w="lg" len="lg"/>
+              <a:tailEnd type="triangle" w="lg" len="lg"/>
+            </a:ln>
+            <a:effectLst/>
+          </p:spPr>
+        </p:cxnSp>
+        <p:cxnSp>
+          <p:nvCxnSpPr>
+            <p:cNvPr id="10" name="Straight Arrow Connector 9"/>
+            <p:cNvCxnSpPr>
+              <a:stCxn id="7" idx="6"/>
+              <a:endCxn id="6" idx="3"/>
+            </p:cNvCxnSpPr>
+            <p:nvPr/>
+          </p:nvCxnSpPr>
+          <p:spPr bwMode="auto">
+            <a:xfrm flipV="1">
+              <a:off x="3767372" y="5101806"/>
+              <a:ext cx="1409898" cy="672694"/>
+            </a:xfrm>
+            <a:prstGeom prst="straightConnector1">
+              <a:avLst/>
+            </a:prstGeom>
+            <a:noFill/>
+            <a:ln w="28575" cap="flat" cmpd="sng" algn="ctr">
+              <a:solidFill>
+                <a:schemeClr val="accent1"/>
+              </a:solidFill>
+              <a:prstDash val="solid"/>
+              <a:round/>
+              <a:headEnd type="none" w="lg" len="lg"/>
+              <a:tailEnd type="triangle" w="lg" len="lg"/>
+            </a:ln>
+            <a:effectLst/>
+          </p:spPr>
+        </p:cxnSp>
+      </p:grpSp>
+      <p:cxnSp>
+        <p:nvCxnSpPr>
+          <p:cNvPr id="11" name="Straight Arrow Connector 10"/>
+          <p:cNvCxnSpPr/>
+          <p:nvPr/>
+        </p:nvCxnSpPr>
+        <p:spPr bwMode="auto">
+          <a:xfrm flipV="1">
+            <a:off x="3785806" y="3304008"/>
+            <a:ext cx="11856" cy="357442"/>
+          </a:xfrm>
+          <a:prstGeom prst="straightConnector1">
+            <a:avLst/>
+          </a:prstGeom>
+          <a:noFill/>
+          <a:ln w="28575" cap="flat" cmpd="sng" algn="ctr">
+            <a:solidFill>
+              <a:schemeClr val="accent2"/>
+            </a:solidFill>
+            <a:prstDash val="solid"/>
+            <a:round/>
+            <a:headEnd type="none" w="lg" len="lg"/>
+            <a:tailEnd type="triangle" w="lg" len="lg"/>
+          </a:ln>
+          <a:effectLst/>
+        </p:spPr>
+      </p:cxnSp>
+      <p:cxnSp>
+        <p:nvCxnSpPr>
+          <p:cNvPr id="12" name="Straight Arrow Connector 11"/>
+          <p:cNvCxnSpPr>
+            <a:stCxn id="7" idx="0"/>
+          </p:cNvCxnSpPr>
+          <p:nvPr/>
+        </p:nvCxnSpPr>
+        <p:spPr bwMode="auto">
+          <a:xfrm flipV="1">
+            <a:off x="3807137" y="2860348"/>
+            <a:ext cx="0" cy="253617"/>
+          </a:xfrm>
+          <a:prstGeom prst="straightConnector1">
+            <a:avLst/>
+          </a:prstGeom>
+          <a:noFill/>
+          <a:ln w="28575" cap="flat" cmpd="sng" algn="ctr">
+            <a:solidFill>
+              <a:schemeClr val="accent2"/>
+            </a:solidFill>
+            <a:prstDash val="solid"/>
+            <a:round/>
+            <a:headEnd type="none" w="lg" len="lg"/>
+            <a:tailEnd type="triangle" w="lg" len="lg"/>
+          </a:ln>
+          <a:effectLst/>
+        </p:spPr>
+      </p:cxnSp>
+      <p:sp>
+        <p:nvSpPr>
+          <p:cNvPr id="13" name="TextBox 12"/>
+          <p:cNvSpPr txBox="1"/>
+          <p:nvPr/>
+        </p:nvSpPr>
+        <p:spPr>
+          <a:xfrm>
+            <a:off x="3663369" y="2481741"/>
+            <a:ext cx="270750" cy="461665"/>
+          </a:xfrm>
+          <a:prstGeom prst="rect">
+            <a:avLst/>
+          </a:prstGeom>
+          <a:noFill/>
+        </p:spPr>
+        <p:txBody>
+          <a:bodyPr wrap="square" rtlCol="0">
+            <a:spAutoFit/>
+          </a:bodyPr>
+          <a:lstStyle/>
+          <a:p>
+            <a:r>
+              <a:rPr lang="en-US" sz="2400" dirty="0" smtClean="0">
+                <a:latin typeface="Book Antiqua" panose="02040602050305030304" pitchFamily="18" charset="0"/>
+              </a:rPr>
+              <a:t>?</a:t>
+            </a:r>
+          </a:p>
+        </p:txBody>
+      </p:sp>
+    </p:spTree>
+    <p:extLst>
+      <p:ext uri="{BB962C8B-B14F-4D97-AF65-F5344CB8AC3E}">
+        <p14:creationId xmlns:p14="http://schemas.microsoft.com/office/powerpoint/2010/main" val="3926442332"/>
+      </p:ext>
+    </p:extLst>
+  </p:cSld>
+  <p:clrMapOvr>
+    <a:masterClrMapping/>
+  </p:clrMapOvr>
+  <p:timing>
+    <p:tnLst>
+      <p:par>
+        <p:cTn id="1" dur="indefinite" restart="never" nodeType="tmRoot">
+          <p:childTnLst>
+            <p:seq concurrent="1" nextAc="seek">
+              <p:cTn id="2" dur="indefinite" nodeType="mainSeq">
+                <p:childTnLst>
+                  <p:par>
+                    <p:cTn id="3" fill="hold">
+                      <p:stCondLst>
+                        <p:cond delay="indefinite"/>
+                        <p:cond evt="onBegin" delay="0">
+                          <p:tn val="2"/>
+                        </p:cond>
+                      </p:stCondLst>
+                      <p:childTnLst>
+                        <p:par>
+                          <p:cTn id="4" fill="hold">
+                            <p:stCondLst>
+                              <p:cond delay="0"/>
+                            </p:stCondLst>
+                            <p:childTnLst>
+                              <p:par>
+                                <p:cTn id="5" presetID="1" presetClass="entr" presetSubtype="0" fill="hold" nodeType="withEffect">
+                                  <p:stCondLst>
+                                    <p:cond delay="0"/>
+                                  </p:stCondLst>
+                                  <p:childTnLst>
+                                    <p:set>
+                                      <p:cBhvr>
+                                        <p:cTn id="6" dur="1" fill="hold">
+                                          <p:stCondLst>
+                                            <p:cond delay="0"/>
+                                          </p:stCondLst>
+                                        </p:cTn>
+                                        <p:tgtEl>
+                                          <p:spTgt spid="4"/>
+                                        </p:tgtEl>
+                                        <p:attrNameLst>
+                                          <p:attrName>style.visibility</p:attrName>
+                                        </p:attrNameLst>
+                                      </p:cBhvr>
+                                      <p:to>
+                                        <p:strVal val="visible"/>
+                                      </p:to>
+                                    </p:set>
+                                  </p:childTnLst>
+                                </p:cTn>
+                              </p:par>
+                            </p:childTnLst>
+                          </p:cTn>
+                        </p:par>
+                      </p:childTnLst>
+                    </p:cTn>
+                  </p:par>
+                  <p:par>
+                    <p:cTn id="7" fill="hold">
+                      <p:stCondLst>
+                        <p:cond delay="indefinite"/>
+                      </p:stCondLst>
+                      <p:childTnLst>
+                        <p:par>
+                          <p:cTn id="8" fill="hold">
+                            <p:stCondLst>
+                              <p:cond delay="0"/>
+                            </p:stCondLst>
+                            <p:childTnLst>
+                              <p:par>
+                                <p:cTn id="9" presetID="1" presetClass="entr" presetSubtype="0" fill="hold" nodeType="clickEffect">
+                                  <p:stCondLst>
+                                    <p:cond delay="0"/>
+                                  </p:stCondLst>
+                                  <p:childTnLst>
+                                    <p:set>
+                                      <p:cBhvr>
+                                        <p:cTn id="10" dur="1" fill="hold">
+                                          <p:stCondLst>
+                                            <p:cond delay="0"/>
+                                          </p:stCondLst>
+                                        </p:cTn>
+                                        <p:tgtEl>
+                                          <p:spTgt spid="12"/>
+                                        </p:tgtEl>
+                                        <p:attrNameLst>
+                                          <p:attrName>style.visibility</p:attrName>
+                                        </p:attrNameLst>
+                                      </p:cBhvr>
+                                      <p:to>
+                                        <p:strVal val="visible"/>
+                                      </p:to>
+                                    </p:set>
+                                  </p:childTnLst>
+                                </p:cTn>
+                              </p:par>
+                              <p:par>
+                                <p:cTn id="11" presetID="1" presetClass="entr" presetSubtype="0" fill="hold" grpId="0" nodeType="withEffect">
+                                  <p:stCondLst>
+                                    <p:cond delay="0"/>
+                                  </p:stCondLst>
+                                  <p:childTnLst>
+                                    <p:set>
+                                      <p:cBhvr>
+                                        <p:cTn id="12" dur="1" fill="hold">
+                                          <p:stCondLst>
+                                            <p:cond delay="0"/>
+                                          </p:stCondLst>
+                                        </p:cTn>
+                                        <p:tgtEl>
+                                          <p:spTgt spid="13"/>
+                                        </p:tgtEl>
+                                        <p:attrNameLst>
+                                          <p:attrName>style.visibility</p:attrName>
+                                        </p:attrNameLst>
+                                      </p:cBhvr>
+                                      <p:to>
+                                        <p:strVal val="visible"/>
+                                      </p:to>
+                                    </p:set>
+                                  </p:childTnLst>
+                                </p:cTn>
+                              </p:par>
+                              <p:par>
+                                <p:cTn id="13" presetID="1" presetClass="entr" presetSubtype="0" fill="hold" nodeType="withEffect">
+                                  <p:stCondLst>
+                                    <p:cond delay="0"/>
+                                  </p:stCondLst>
+                                  <p:childTnLst>
+                                    <p:set>
+                                      <p:cBhvr>
+                                        <p:cTn id="14" dur="1" fill="hold">
+                                          <p:stCondLst>
+                                            <p:cond delay="0"/>
+                                          </p:stCondLst>
+                                        </p:cTn>
+                                        <p:tgtEl>
+                                          <p:spTgt spid="11"/>
+                                        </p:tgtEl>
+                                        <p:attrNameLst>
+                                          <p:attrName>style.visibility</p:attrName>
+                                        </p:attrNameLst>
+                                      </p:cBhvr>
+                                      <p:to>
+                                        <p:strVal val="visible"/>
+                                      </p:to>
+                                    </p:set>
+                                  </p:childTnLst>
+                                </p:cTn>
+                              </p:par>
+                            </p:childTnLst>
+                          </p:cTn>
+                        </p:par>
+                      </p:childTnLst>
+                    </p:cTn>
+                  </p:par>
+                </p:childTnLst>
+              </p:cTn>
+              <p:prevCondLst>
+                <p:cond evt="onPrev" delay="0">
+                  <p:tgtEl>
+                    <p:sldTgt/>
+                  </p:tgtEl>
+                </p:cond>
+              </p:prevCondLst>
+              <p:nextCondLst>
+                <p:cond evt="onNext" delay="0">
+                  <p:tgtEl>
+                    <p:sldTgt/>
+                  </p:tgtEl>
+                </p:cond>
+              </p:nextCondLst>
+            </p:seq>
+          </p:childTnLst>
+        </p:cTn>
+      </p:par>
+    </p:tnLst>
+    <p:bldLst>
+      <p:bldP spid="13" grpId="0"/>
+    </p:bldLst>
+  </p:timing>
+</p:sld>
+</file>
+
+<file path=ppt/slides/slide23.xml><?xml version="1.0" encoding="utf-8"?>
+<p:sld xmlns:a="http://schemas.openxmlformats.org/drawingml/2006/main" xmlns:r="http://schemas.openxmlformats.org/officeDocument/2006/relationships" xmlns:p="http://schemas.openxmlformats.org/presentationml/2006/main">
+  <p:cSld>
+    <p:spTree>
+      <p:nvGrpSpPr>
+        <p:cNvPr id="1" name=""/>
+        <p:cNvGrpSpPr/>
+        <p:nvPr/>
+      </p:nvGrpSpPr>
+      <p:grpSpPr>
+        <a:xfrm>
+          <a:off x="0" y="0"/>
+          <a:ext cx="0" cy="0"/>
+          <a:chOff x="0" y="0"/>
+          <a:chExt cx="0" cy="0"/>
+        </a:xfrm>
+      </p:grpSpPr>
       <p:pic>
         <p:nvPicPr>
           <p:cNvPr id="286722" name="Picture 2"/>
@@ -33813,6 +36245,700 @@
       <p:bldP spid="286751" grpId="0" animBg="1"/>
       <p:bldP spid="286752" grpId="0" animBg="1"/>
     </p:bldLst>
+  </p:timing>
+</p:sld>
+</file>
+
+<file path=ppt/slides/slide24.xml><?xml version="1.0" encoding="utf-8"?>
+<p:sld xmlns:a="http://schemas.openxmlformats.org/drawingml/2006/main" xmlns:r="http://schemas.openxmlformats.org/officeDocument/2006/relationships" xmlns:p="http://schemas.openxmlformats.org/presentationml/2006/main">
+  <p:cSld>
+    <p:spTree>
+      <p:nvGrpSpPr>
+        <p:cNvPr id="1" name=""/>
+        <p:cNvGrpSpPr/>
+        <p:nvPr/>
+      </p:nvGrpSpPr>
+      <p:grpSpPr>
+        <a:xfrm>
+          <a:off x="0" y="0"/>
+          <a:ext cx="0" cy="0"/>
+          <a:chOff x="0" y="0"/>
+          <a:chExt cx="0" cy="0"/>
+        </a:xfrm>
+      </p:grpSpPr>
+      <p:sp>
+        <p:nvSpPr>
+          <p:cNvPr id="2" name="Title 1"/>
+          <p:cNvSpPr>
+            <a:spLocks noGrp="1"/>
+          </p:cNvSpPr>
+          <p:nvPr>
+            <p:ph type="title"/>
+          </p:nvPr>
+        </p:nvSpPr>
+        <p:spPr/>
+        <p:txBody>
+          <a:bodyPr/>
+          <a:lstStyle/>
+          <a:p>
+            <a:r>
+              <a:rPr lang="en-US" dirty="0" smtClean="0"/>
+              <a:t>k-sided duals</a:t>
+            </a:r>
+            <a:endParaRPr lang="nl-NL" dirty="0"/>
+          </a:p>
+        </p:txBody>
+      </p:sp>
+      <p:sp>
+        <p:nvSpPr>
+          <p:cNvPr id="4" name="Content Placeholder 3"/>
+          <p:cNvSpPr>
+            <a:spLocks noGrp="1"/>
+          </p:cNvSpPr>
+          <p:nvPr>
+            <p:ph idx="1"/>
+          </p:nvPr>
+        </p:nvSpPr>
+        <p:spPr/>
+        <p:txBody>
+          <a:bodyPr/>
+          <a:lstStyle/>
+          <a:p>
+            <a:pPr marL="0" indent="0">
+              <a:buNone/>
+            </a:pPr>
+            <a:r>
+              <a:rPr lang="en-US" dirty="0">
+                <a:solidFill>
+                  <a:schemeClr val="accent1"/>
+                </a:solidFill>
+              </a:rPr>
+              <a:t>k</a:t>
+            </a:r>
+            <a:r>
+              <a:rPr lang="en-US" dirty="0" smtClean="0">
+                <a:solidFill>
+                  <a:schemeClr val="accent1"/>
+                </a:solidFill>
+              </a:rPr>
+              <a:t>-sided dual</a:t>
+            </a:r>
+          </a:p>
+          <a:p>
+            <a:pPr marL="269875" lvl="1" indent="0">
+              <a:buNone/>
+            </a:pPr>
+            <a:r>
+              <a:rPr lang="en-US" dirty="0" smtClean="0"/>
+              <a:t>Every maximal segment is the boundary of at most </a:t>
+            </a:r>
+            <a:r>
+              <a:rPr lang="en-US" dirty="0" smtClean="0">
+                <a:solidFill>
+                  <a:schemeClr val="accent1"/>
+                </a:solidFill>
+              </a:rPr>
+              <a:t>k</a:t>
+            </a:r>
+            <a:r>
+              <a:rPr lang="en-US" dirty="0" smtClean="0"/>
+              <a:t> rectangles all on the same side of the segment</a:t>
+            </a:r>
+            <a:endParaRPr lang="nl-NL" dirty="0"/>
+          </a:p>
+        </p:txBody>
+      </p:sp>
+      <p:grpSp>
+        <p:nvGrpSpPr>
+          <p:cNvPr id="10" name="Group 9"/>
+          <p:cNvGrpSpPr/>
+          <p:nvPr/>
+        </p:nvGrpSpPr>
+        <p:grpSpPr>
+          <a:xfrm>
+            <a:off x="701570" y="2798930"/>
+            <a:ext cx="3105345" cy="1980220"/>
+            <a:chOff x="701570" y="2798930"/>
+            <a:chExt cx="3105345" cy="1980220"/>
+          </a:xfrm>
+        </p:grpSpPr>
+        <p:sp>
+          <p:nvSpPr>
+            <p:cNvPr id="5" name="Rectangle 4"/>
+            <p:cNvSpPr/>
+            <p:nvPr/>
+          </p:nvSpPr>
+          <p:spPr bwMode="auto">
+            <a:xfrm>
+              <a:off x="701570" y="2798930"/>
+              <a:ext cx="3105345" cy="1980220"/>
+            </a:xfrm>
+            <a:prstGeom prst="rect">
+              <a:avLst/>
+            </a:prstGeom>
+            <a:noFill/>
+            <a:ln w="28575" algn="ctr">
+              <a:solidFill>
+                <a:schemeClr val="tx1"/>
+              </a:solidFill>
+              <a:round/>
+              <a:headEnd/>
+              <a:tailEnd/>
+            </a:ln>
+            <a:effectLst/>
+          </p:spPr>
+          <p:txBody>
+            <a:bodyPr lIns="90000" tIns="46800" rIns="90000" bIns="46800" rtlCol="0" anchor="ctr">
+              <a:spAutoFit/>
+            </a:bodyPr>
+            <a:lstStyle/>
+            <a:p>
+              <a:pPr algn="ctr"/>
+              <a:endParaRPr lang="nl-NL"/>
+            </a:p>
+          </p:txBody>
+        </p:sp>
+        <p:sp>
+          <p:nvSpPr>
+            <p:cNvPr id="6" name="Rectangle 5"/>
+            <p:cNvSpPr/>
+            <p:nvPr/>
+          </p:nvSpPr>
+          <p:spPr bwMode="auto">
+            <a:xfrm>
+              <a:off x="1376645" y="2798930"/>
+              <a:ext cx="720080" cy="1260140"/>
+            </a:xfrm>
+            <a:prstGeom prst="rect">
+              <a:avLst/>
+            </a:prstGeom>
+            <a:noFill/>
+            <a:ln w="28575" algn="ctr">
+              <a:solidFill>
+                <a:schemeClr val="tx1"/>
+              </a:solidFill>
+              <a:round/>
+              <a:headEnd/>
+              <a:tailEnd/>
+            </a:ln>
+            <a:effectLst/>
+          </p:spPr>
+          <p:txBody>
+            <a:bodyPr lIns="90000" tIns="46800" rIns="90000" bIns="46800" rtlCol="0" anchor="ctr">
+              <a:spAutoFit/>
+            </a:bodyPr>
+            <a:lstStyle/>
+            <a:p>
+              <a:pPr algn="ctr"/>
+              <a:endParaRPr lang="nl-NL"/>
+            </a:p>
+          </p:txBody>
+        </p:sp>
+        <p:sp>
+          <p:nvSpPr>
+            <p:cNvPr id="7" name="Rectangle 6"/>
+            <p:cNvSpPr/>
+            <p:nvPr/>
+          </p:nvSpPr>
+          <p:spPr bwMode="auto">
+            <a:xfrm>
+              <a:off x="2096725" y="2798930"/>
+              <a:ext cx="810090" cy="1260140"/>
+            </a:xfrm>
+            <a:prstGeom prst="rect">
+              <a:avLst/>
+            </a:prstGeom>
+            <a:noFill/>
+            <a:ln w="28575" algn="ctr">
+              <a:solidFill>
+                <a:schemeClr val="tx1"/>
+              </a:solidFill>
+              <a:round/>
+              <a:headEnd/>
+              <a:tailEnd/>
+            </a:ln>
+            <a:effectLst/>
+          </p:spPr>
+          <p:txBody>
+            <a:bodyPr lIns="90000" tIns="46800" rIns="90000" bIns="46800" rtlCol="0" anchor="ctr">
+              <a:spAutoFit/>
+            </a:bodyPr>
+            <a:lstStyle/>
+            <a:p>
+              <a:pPr algn="ctr"/>
+              <a:endParaRPr lang="nl-NL"/>
+            </a:p>
+          </p:txBody>
+        </p:sp>
+        <p:sp>
+          <p:nvSpPr>
+            <p:cNvPr id="8" name="Rectangle 7"/>
+            <p:cNvSpPr/>
+            <p:nvPr/>
+          </p:nvSpPr>
+          <p:spPr bwMode="auto">
+            <a:xfrm>
+              <a:off x="2546775" y="4059070"/>
+              <a:ext cx="1260140" cy="720080"/>
+            </a:xfrm>
+            <a:prstGeom prst="rect">
+              <a:avLst/>
+            </a:prstGeom>
+            <a:noFill/>
+            <a:ln w="28575" algn="ctr">
+              <a:solidFill>
+                <a:schemeClr val="tx1"/>
+              </a:solidFill>
+              <a:round/>
+              <a:headEnd/>
+              <a:tailEnd/>
+            </a:ln>
+            <a:effectLst/>
+          </p:spPr>
+          <p:txBody>
+            <a:bodyPr lIns="90000" tIns="46800" rIns="90000" bIns="46800" rtlCol="0" anchor="ctr">
+              <a:spAutoFit/>
+            </a:bodyPr>
+            <a:lstStyle/>
+            <a:p>
+              <a:pPr algn="ctr"/>
+              <a:endParaRPr lang="nl-NL"/>
+            </a:p>
+          </p:txBody>
+        </p:sp>
+        <p:sp>
+          <p:nvSpPr>
+            <p:cNvPr id="9" name="Rectangle 8"/>
+            <p:cNvSpPr/>
+            <p:nvPr/>
+          </p:nvSpPr>
+          <p:spPr bwMode="auto">
+            <a:xfrm>
+              <a:off x="1376645" y="4059070"/>
+              <a:ext cx="1170130" cy="720080"/>
+            </a:xfrm>
+            <a:prstGeom prst="rect">
+              <a:avLst/>
+            </a:prstGeom>
+            <a:noFill/>
+            <a:ln w="28575" algn="ctr">
+              <a:solidFill>
+                <a:schemeClr val="tx1"/>
+              </a:solidFill>
+              <a:round/>
+              <a:headEnd/>
+              <a:tailEnd/>
+            </a:ln>
+            <a:effectLst/>
+          </p:spPr>
+          <p:txBody>
+            <a:bodyPr lIns="90000" tIns="46800" rIns="90000" bIns="46800" rtlCol="0" anchor="ctr">
+              <a:spAutoFit/>
+            </a:bodyPr>
+            <a:lstStyle/>
+            <a:p>
+              <a:pPr algn="ctr"/>
+              <a:endParaRPr lang="nl-NL"/>
+            </a:p>
+          </p:txBody>
+        </p:sp>
+      </p:grpSp>
+      <p:cxnSp>
+        <p:nvCxnSpPr>
+          <p:cNvPr id="12" name="Straight Connector 11"/>
+          <p:cNvCxnSpPr/>
+          <p:nvPr/>
+        </p:nvCxnSpPr>
+        <p:spPr bwMode="auto">
+          <a:xfrm>
+            <a:off x="1376645" y="4059070"/>
+            <a:ext cx="2430270" cy="0"/>
+          </a:xfrm>
+          <a:prstGeom prst="line">
+            <a:avLst/>
+          </a:prstGeom>
+          <a:noFill/>
+          <a:ln w="44450" cap="flat" cmpd="sng" algn="ctr">
+            <a:solidFill>
+              <a:schemeClr val="accent2"/>
+            </a:solidFill>
+            <a:prstDash val="solid"/>
+            <a:round/>
+            <a:headEnd type="none" w="lg" len="lg"/>
+            <a:tailEnd type="none" w="lg" len="lg"/>
+          </a:ln>
+          <a:effectLst/>
+        </p:spPr>
+      </p:cxnSp>
+      <p:sp>
+        <p:nvSpPr>
+          <p:cNvPr id="14" name="TextBox 13"/>
+          <p:cNvSpPr txBox="1"/>
+          <p:nvPr/>
+        </p:nvSpPr>
+        <p:spPr>
+          <a:xfrm>
+            <a:off x="701569" y="5094185"/>
+            <a:ext cx="3105345" cy="369332"/>
+          </a:xfrm>
+          <a:prstGeom prst="rect">
+            <a:avLst/>
+          </a:prstGeom>
+          <a:noFill/>
+        </p:spPr>
+        <p:txBody>
+          <a:bodyPr wrap="square" rtlCol="0">
+            <a:spAutoFit/>
+          </a:bodyPr>
+          <a:lstStyle/>
+          <a:p>
+            <a:pPr algn="ctr"/>
+            <a:r>
+              <a:rPr lang="en-US" dirty="0" smtClean="0"/>
+              <a:t>2-sided</a:t>
+            </a:r>
+          </a:p>
+        </p:txBody>
+      </p:sp>
+      <p:grpSp>
+        <p:nvGrpSpPr>
+          <p:cNvPr id="15" name="Group 14"/>
+          <p:cNvGrpSpPr/>
+          <p:nvPr/>
+        </p:nvGrpSpPr>
+        <p:grpSpPr>
+          <a:xfrm>
+            <a:off x="4842030" y="2800872"/>
+            <a:ext cx="3105345" cy="1980220"/>
+            <a:chOff x="701570" y="2798930"/>
+            <a:chExt cx="3105345" cy="1980220"/>
+          </a:xfrm>
+        </p:grpSpPr>
+        <p:sp>
+          <p:nvSpPr>
+            <p:cNvPr id="16" name="Rectangle 15"/>
+            <p:cNvSpPr/>
+            <p:nvPr/>
+          </p:nvSpPr>
+          <p:spPr bwMode="auto">
+            <a:xfrm>
+              <a:off x="701570" y="2798930"/>
+              <a:ext cx="3105345" cy="1980220"/>
+            </a:xfrm>
+            <a:prstGeom prst="rect">
+              <a:avLst/>
+            </a:prstGeom>
+            <a:noFill/>
+            <a:ln w="28575" algn="ctr">
+              <a:solidFill>
+                <a:schemeClr val="tx1"/>
+              </a:solidFill>
+              <a:round/>
+              <a:headEnd/>
+              <a:tailEnd/>
+            </a:ln>
+            <a:effectLst/>
+          </p:spPr>
+          <p:txBody>
+            <a:bodyPr lIns="90000" tIns="46800" rIns="90000" bIns="46800" rtlCol="0" anchor="ctr">
+              <a:spAutoFit/>
+            </a:bodyPr>
+            <a:lstStyle/>
+            <a:p>
+              <a:pPr algn="ctr"/>
+              <a:endParaRPr lang="nl-NL"/>
+            </a:p>
+          </p:txBody>
+        </p:sp>
+        <p:sp>
+          <p:nvSpPr>
+            <p:cNvPr id="17" name="Rectangle 16"/>
+            <p:cNvSpPr/>
+            <p:nvPr/>
+          </p:nvSpPr>
+          <p:spPr bwMode="auto">
+            <a:xfrm>
+              <a:off x="701570" y="2798930"/>
+              <a:ext cx="1980220" cy="841556"/>
+            </a:xfrm>
+            <a:prstGeom prst="rect">
+              <a:avLst/>
+            </a:prstGeom>
+            <a:noFill/>
+            <a:ln w="28575" algn="ctr">
+              <a:solidFill>
+                <a:schemeClr val="tx1"/>
+              </a:solidFill>
+              <a:round/>
+              <a:headEnd/>
+              <a:tailEnd/>
+            </a:ln>
+            <a:effectLst/>
+          </p:spPr>
+          <p:txBody>
+            <a:bodyPr lIns="90000" tIns="46800" rIns="90000" bIns="46800" rtlCol="0" anchor="ctr">
+              <a:spAutoFit/>
+            </a:bodyPr>
+            <a:lstStyle/>
+            <a:p>
+              <a:pPr algn="ctr"/>
+              <a:endParaRPr lang="nl-NL"/>
+            </a:p>
+          </p:txBody>
+        </p:sp>
+        <p:sp>
+          <p:nvSpPr>
+            <p:cNvPr id="18" name="Rectangle 17"/>
+            <p:cNvSpPr/>
+            <p:nvPr/>
+          </p:nvSpPr>
+          <p:spPr bwMode="auto">
+            <a:xfrm>
+              <a:off x="3041830" y="2798930"/>
+              <a:ext cx="757950" cy="841556"/>
+            </a:xfrm>
+            <a:prstGeom prst="rect">
+              <a:avLst/>
+            </a:prstGeom>
+            <a:noFill/>
+            <a:ln w="28575" algn="ctr">
+              <a:solidFill>
+                <a:schemeClr val="tx1"/>
+              </a:solidFill>
+              <a:round/>
+              <a:headEnd/>
+              <a:tailEnd/>
+            </a:ln>
+            <a:effectLst/>
+          </p:spPr>
+          <p:txBody>
+            <a:bodyPr lIns="90000" tIns="46800" rIns="90000" bIns="46800" rtlCol="0" anchor="ctr">
+              <a:spAutoFit/>
+            </a:bodyPr>
+            <a:lstStyle/>
+            <a:p>
+              <a:pPr algn="ctr"/>
+              <a:endParaRPr lang="nl-NL"/>
+            </a:p>
+          </p:txBody>
+        </p:sp>
+        <p:sp>
+          <p:nvSpPr>
+            <p:cNvPr id="19" name="Rectangle 18"/>
+            <p:cNvSpPr/>
+            <p:nvPr/>
+          </p:nvSpPr>
+          <p:spPr bwMode="auto">
+            <a:xfrm>
+              <a:off x="2591779" y="3640486"/>
+              <a:ext cx="1215135" cy="1138664"/>
+            </a:xfrm>
+            <a:prstGeom prst="rect">
+              <a:avLst/>
+            </a:prstGeom>
+            <a:noFill/>
+            <a:ln w="28575" algn="ctr">
+              <a:solidFill>
+                <a:schemeClr val="tx1"/>
+              </a:solidFill>
+              <a:round/>
+              <a:headEnd/>
+              <a:tailEnd/>
+            </a:ln>
+            <a:effectLst/>
+          </p:spPr>
+          <p:txBody>
+            <a:bodyPr lIns="90000" tIns="46800" rIns="90000" bIns="46800" rtlCol="0" anchor="ctr">
+              <a:spAutoFit/>
+            </a:bodyPr>
+            <a:lstStyle/>
+            <a:p>
+              <a:pPr algn="ctr"/>
+              <a:endParaRPr lang="nl-NL"/>
+            </a:p>
+          </p:txBody>
+        </p:sp>
+        <p:sp>
+          <p:nvSpPr>
+            <p:cNvPr id="20" name="Rectangle 19"/>
+            <p:cNvSpPr/>
+            <p:nvPr/>
+          </p:nvSpPr>
+          <p:spPr bwMode="auto">
+            <a:xfrm>
+              <a:off x="1239644" y="3640486"/>
+              <a:ext cx="632056" cy="1138664"/>
+            </a:xfrm>
+            <a:prstGeom prst="rect">
+              <a:avLst/>
+            </a:prstGeom>
+            <a:noFill/>
+            <a:ln w="28575" algn="ctr">
+              <a:solidFill>
+                <a:schemeClr val="tx1"/>
+              </a:solidFill>
+              <a:round/>
+              <a:headEnd/>
+              <a:tailEnd/>
+            </a:ln>
+            <a:effectLst/>
+          </p:spPr>
+          <p:txBody>
+            <a:bodyPr lIns="90000" tIns="46800" rIns="90000" bIns="46800" rtlCol="0" anchor="ctr">
+              <a:spAutoFit/>
+            </a:bodyPr>
+            <a:lstStyle/>
+            <a:p>
+              <a:pPr algn="ctr"/>
+              <a:endParaRPr lang="nl-NL"/>
+            </a:p>
+          </p:txBody>
+        </p:sp>
+      </p:grpSp>
+      <p:cxnSp>
+        <p:nvCxnSpPr>
+          <p:cNvPr id="21" name="Straight Connector 20"/>
+          <p:cNvCxnSpPr/>
+          <p:nvPr/>
+        </p:nvCxnSpPr>
+        <p:spPr bwMode="auto">
+          <a:xfrm>
+            <a:off x="4842030" y="3642428"/>
+            <a:ext cx="3105344" cy="0"/>
+          </a:xfrm>
+          <a:prstGeom prst="line">
+            <a:avLst/>
+          </a:prstGeom>
+          <a:noFill/>
+          <a:ln w="44450" cap="flat" cmpd="sng" algn="ctr">
+            <a:solidFill>
+              <a:schemeClr val="accent2"/>
+            </a:solidFill>
+            <a:prstDash val="solid"/>
+            <a:round/>
+            <a:headEnd type="none" w="lg" len="lg"/>
+            <a:tailEnd type="none" w="lg" len="lg"/>
+          </a:ln>
+          <a:effectLst/>
+        </p:spPr>
+      </p:cxnSp>
+      <p:sp>
+        <p:nvSpPr>
+          <p:cNvPr id="23" name="TextBox 22"/>
+          <p:cNvSpPr txBox="1"/>
+          <p:nvPr/>
+        </p:nvSpPr>
+        <p:spPr>
+          <a:xfrm>
+            <a:off x="4842031" y="5054743"/>
+            <a:ext cx="3098209" cy="369332"/>
+          </a:xfrm>
+          <a:prstGeom prst="rect">
+            <a:avLst/>
+          </a:prstGeom>
+          <a:noFill/>
+        </p:spPr>
+        <p:txBody>
+          <a:bodyPr wrap="square" rtlCol="0">
+            <a:spAutoFit/>
+          </a:bodyPr>
+          <a:lstStyle/>
+          <a:p>
+            <a:pPr algn="ctr"/>
+            <a:r>
+              <a:rPr lang="en-US" dirty="0"/>
+              <a:t>3</a:t>
+            </a:r>
+            <a:r>
+              <a:rPr lang="en-US" dirty="0" smtClean="0"/>
+              <a:t>-sided</a:t>
+            </a:r>
+          </a:p>
+        </p:txBody>
+      </p:sp>
+      <p:sp>
+        <p:nvSpPr>
+          <p:cNvPr id="24" name="TextBox 23"/>
+          <p:cNvSpPr txBox="1"/>
+          <p:nvPr/>
+        </p:nvSpPr>
+        <p:spPr>
+          <a:xfrm>
+            <a:off x="468312" y="5814265"/>
+            <a:ext cx="7974118" cy="400110"/>
+          </a:xfrm>
+          <a:prstGeom prst="rect">
+            <a:avLst/>
+          </a:prstGeom>
+        </p:spPr>
+        <p:style>
+          <a:lnRef idx="1">
+            <a:schemeClr val="accent1"/>
+          </a:lnRef>
+          <a:fillRef idx="2">
+            <a:schemeClr val="accent1"/>
+          </a:fillRef>
+          <a:effectRef idx="1">
+            <a:schemeClr val="accent1"/>
+          </a:effectRef>
+          <a:fontRef idx="minor">
+            <a:schemeClr val="dk1"/>
+          </a:fontRef>
+        </p:style>
+        <p:txBody>
+          <a:bodyPr wrap="square" rtlCol="0">
+            <a:spAutoFit/>
+          </a:bodyPr>
+          <a:lstStyle/>
+          <a:p>
+            <a:r>
+              <a:rPr lang="en-US" sz="2000" dirty="0"/>
+              <a:t>Do graphs without an </a:t>
+            </a:r>
+            <a:r>
+              <a:rPr lang="en-US" sz="2000" dirty="0"/>
+              <a:t>1</a:t>
+            </a:r>
+            <a:r>
+              <a:rPr lang="en-US" sz="2000" dirty="0" smtClean="0"/>
+              <a:t>-sided </a:t>
+            </a:r>
+            <a:r>
+              <a:rPr lang="en-US" sz="2000" dirty="0"/>
+              <a:t>dual admit a </a:t>
+            </a:r>
+            <a:r>
+              <a:rPr lang="en-US" sz="2000" dirty="0" smtClean="0"/>
+              <a:t>k-sided </a:t>
+            </a:r>
+            <a:r>
+              <a:rPr lang="en-US" sz="2000" dirty="0"/>
+              <a:t>dual for some k</a:t>
+            </a:r>
+            <a:r>
+              <a:rPr lang="en-US" sz="2000" dirty="0" smtClean="0"/>
+              <a:t>?</a:t>
+            </a:r>
+            <a:endParaRPr lang="nl-NL" sz="2000" dirty="0"/>
+          </a:p>
+        </p:txBody>
+      </p:sp>
+    </p:spTree>
+    <p:extLst>
+      <p:ext uri="{BB962C8B-B14F-4D97-AF65-F5344CB8AC3E}">
+        <p14:creationId xmlns:p14="http://schemas.microsoft.com/office/powerpoint/2010/main" val="2137519298"/>
+      </p:ext>
+    </p:extLst>
+  </p:cSld>
+  <p:clrMapOvr>
+    <a:masterClrMapping/>
+  </p:clrMapOvr>
+  <p:timing>
+    <p:tnLst>
+      <p:par>
+        <p:cTn id="1" dur="indefinite" restart="never" nodeType="tmRoot"/>
+      </p:par>
+    </p:tnLst>
   </p:timing>
 </p:sld>
 </file>
@@ -38492,123 +41618,44 @@
   <a:objectDefaults>
     <a:spDef>
       <a:spPr bwMode="auto">
-        <a:xfrm>
-          <a:off x="0" y="0"/>
-          <a:ext cx="1" cy="1"/>
-        </a:xfrm>
-        <a:custGeom>
-          <a:avLst/>
-          <a:gdLst/>
-          <a:ahLst/>
-          <a:cxnLst/>
-          <a:rect l="0" t="0" r="0" b="0"/>
-          <a:pathLst/>
-        </a:custGeom>
-        <a:noFill/>
-        <a:ln w="28575" cap="flat" cmpd="sng" algn="ctr">
+        <a:solidFill>
+          <a:srgbClr val="B2B2B2"/>
+        </a:solidFill>
+        <a:ln w="28575" algn="ctr">
           <a:solidFill>
             <a:schemeClr val="tx1"/>
           </a:solidFill>
-          <a:prstDash val="solid"/>
           <a:round/>
-          <a:headEnd type="none" w="med" len="med"/>
-          <a:tailEnd type="none" w="med" len="med"/>
+          <a:headEnd/>
+          <a:tailEnd/>
         </a:ln>
         <a:effectLst/>
       </a:spPr>
-      <a:bodyPr vert="horz" wrap="square" lIns="91440" tIns="45720" rIns="91440" bIns="45720" numCol="1" anchor="t" anchorCtr="0" compatLnSpc="1">
-        <a:prstTxWarp prst="textNoShape">
-          <a:avLst/>
-        </a:prstTxWarp>
+      <a:bodyPr lIns="90000" tIns="46800" rIns="90000" bIns="46800" anchor="ctr">
+        <a:spAutoFit/>
       </a:bodyPr>
       <a:lstStyle>
-        <a:defPPr marL="0" marR="0" indent="0" algn="l" defTabSz="914400" rtl="0" eaLnBrk="1" fontAlgn="base" latinLnBrk="0" hangingPunct="1">
-          <a:lnSpc>
-            <a:spcPct val="100000"/>
-          </a:lnSpc>
-          <a:spcBef>
-            <a:spcPct val="0"/>
-          </a:spcBef>
-          <a:spcAft>
-            <a:spcPct val="0"/>
-          </a:spcAft>
-          <a:buClrTx/>
-          <a:buSzTx/>
-          <a:buFontTx/>
-          <a:buNone/>
-          <a:tabLst/>
-          <a:defRPr kumimoji="0" lang="nl-NL" sz="1800" b="0" i="0" u="none" strike="noStrike" cap="none" normalizeH="0" baseline="0" smtClean="0">
-            <a:ln>
-              <a:noFill/>
-            </a:ln>
-            <a:solidFill>
-              <a:schemeClr val="tx1"/>
-            </a:solidFill>
-            <a:effectLst/>
-            <a:latin typeface="Arial" charset="0"/>
-          </a:defRPr>
+        <a:defPPr>
+          <a:defRPr/>
         </a:defPPr>
       </a:lstStyle>
     </a:spDef>
     <a:lnDef>
       <a:spPr bwMode="auto">
-        <a:xfrm>
-          <a:off x="0" y="0"/>
-          <a:ext cx="1" cy="1"/>
-        </a:xfrm>
-        <a:custGeom>
-          <a:avLst/>
-          <a:gdLst/>
-          <a:ahLst/>
-          <a:cxnLst/>
-          <a:rect l="0" t="0" r="0" b="0"/>
-          <a:pathLst/>
-        </a:custGeom>
         <a:noFill/>
         <a:ln w="28575" cap="flat" cmpd="sng" algn="ctr">
           <a:solidFill>
-            <a:schemeClr val="tx1"/>
+            <a:schemeClr val="accent2"/>
           </a:solidFill>
           <a:prstDash val="solid"/>
           <a:round/>
-          <a:headEnd type="none" w="med" len="med"/>
-          <a:tailEnd type="none" w="med" len="med"/>
+          <a:headEnd type="none" w="lg" len="lg"/>
+          <a:tailEnd type="triangle" w="lg" len="lg"/>
         </a:ln>
         <a:effectLst/>
       </a:spPr>
-      <a:bodyPr vert="horz" wrap="square" lIns="91440" tIns="45720" rIns="91440" bIns="45720" numCol="1" anchor="t" anchorCtr="0" compatLnSpc="1">
-        <a:prstTxWarp prst="textNoShape">
-          <a:avLst/>
-        </a:prstTxWarp>
-      </a:bodyPr>
-      <a:lstStyle>
-        <a:defPPr marL="0" marR="0" indent="0" algn="l" defTabSz="914400" rtl="0" eaLnBrk="1" fontAlgn="base" latinLnBrk="0" hangingPunct="1">
-          <a:lnSpc>
-            <a:spcPct val="100000"/>
-          </a:lnSpc>
-          <a:spcBef>
-            <a:spcPct val="0"/>
-          </a:spcBef>
-          <a:spcAft>
-            <a:spcPct val="0"/>
-          </a:spcAft>
-          <a:buClrTx/>
-          <a:buSzTx/>
-          <a:buFontTx/>
-          <a:buNone/>
-          <a:tabLst/>
-          <a:defRPr kumimoji="0" lang="nl-NL" sz="1800" b="0" i="0" u="none" strike="noStrike" cap="none" normalizeH="0" baseline="0" smtClean="0">
-            <a:ln>
-              <a:noFill/>
-            </a:ln>
-            <a:solidFill>
-              <a:schemeClr val="tx1"/>
-            </a:solidFill>
-            <a:effectLst/>
-            <a:latin typeface="Arial" charset="0"/>
-          </a:defRPr>
-        </a:defPPr>
-      </a:lstStyle>
+      <a:bodyPr/>
+      <a:lstStyle/>
     </a:lnDef>
   </a:objectDefaults>
   <a:extraClrSchemeLst>

--- a/midtermtalk/talk3.pptx
+++ b/midtermtalk/talk3.pptx
@@ -275,7 +275,7 @@
           <a:p>
             <a:fld id="{A963CD12-12CD-449E-89BB-1C0D7A1D12E5}" type="datetimeFigureOut">
               <a:rPr lang="nl-NL" smtClean="0"/>
-              <a:t>13-12-2016</a:t>
+              <a:t>5-3-2017</a:t>
             </a:fld>
             <a:endParaRPr lang="nl-NL"/>
           </a:p>
